--- a/09.0 -- 网络通信 -- 第09章.pptx
+++ b/09.0 -- 网络通信 -- 第09章.pptx
@@ -282,7 +282,7 @@
             <a:fld id="{07F4A947-B69F-46AB-892A-142D315848C8}" type="datetimeFigureOut">
               <a:rPr lang="zh-CN" altLang="en-US"/>
               <a:pPr/>
-              <a:t>2020/10/25</a:t>
+              <a:t>2020/12/7</a:t>
             </a:fld>
             <a:endParaRPr lang="zh-CN" altLang="en-US">
               <a:latin typeface="Arial" panose="020B0604020202020204" pitchFamily="34" charset="0"/>
@@ -8868,7 +8868,7 @@
             <a:fld id="{C33D8BF3-04B1-4578-9944-A784348B543C}" type="datetimeFigureOut">
               <a:rPr lang="zh-CN" altLang="en-US"/>
               <a:pPr/>
-              <a:t>2020/10/25</a:t>
+              <a:t>2020/12/7</a:t>
             </a:fld>
             <a:endParaRPr lang="zh-CN" altLang="en-US"/>
           </a:p>
@@ -9067,7 +9067,7 @@
             <a:fld id="{C33D8BF3-04B1-4578-9944-A784348B543C}" type="datetimeFigureOut">
               <a:rPr lang="zh-CN" altLang="en-US"/>
               <a:pPr/>
-              <a:t>2020/10/25</a:t>
+              <a:t>2020/12/7</a:t>
             </a:fld>
             <a:endParaRPr lang="zh-CN" altLang="en-US"/>
           </a:p>
@@ -9216,7 +9216,7 @@
             <a:fld id="{C33D8BF3-04B1-4578-9944-A784348B543C}" type="datetimeFigureOut">
               <a:rPr lang="zh-CN" altLang="en-US"/>
               <a:pPr/>
-              <a:t>2020/10/25</a:t>
+              <a:t>2020/12/7</a:t>
             </a:fld>
             <a:endParaRPr lang="zh-CN" altLang="en-US"/>
           </a:p>
@@ -9418,7 +9418,7 @@
             <a:fld id="{C33D8BF3-04B1-4578-9944-A784348B543C}" type="datetimeFigureOut">
               <a:rPr lang="zh-CN" altLang="en-US"/>
               <a:pPr/>
-              <a:t>2020/10/25</a:t>
+              <a:t>2020/12/7</a:t>
             </a:fld>
             <a:endParaRPr lang="zh-CN" altLang="en-US"/>
           </a:p>
@@ -9807,7 +9807,7 @@
             <a:fld id="{C33D8BF3-04B1-4578-9944-A784348B543C}" type="datetimeFigureOut">
               <a:rPr lang="zh-CN" altLang="en-US"/>
               <a:pPr/>
-              <a:t>2020/10/25</a:t>
+              <a:t>2020/12/7</a:t>
             </a:fld>
             <a:endParaRPr lang="zh-CN" altLang="en-US"/>
           </a:p>
@@ -10075,7 +10075,7 @@
             <a:fld id="{C33D8BF3-04B1-4578-9944-A784348B543C}" type="datetimeFigureOut">
               <a:rPr lang="zh-CN" altLang="en-US"/>
               <a:pPr/>
-              <a:t>2020/10/25</a:t>
+              <a:t>2020/12/7</a:t>
             </a:fld>
             <a:endParaRPr lang="zh-CN" altLang="en-US"/>
           </a:p>
@@ -10478,7 +10478,7 @@
             <a:fld id="{C33D8BF3-04B1-4578-9944-A784348B543C}" type="datetimeFigureOut">
               <a:rPr lang="zh-CN" altLang="en-US"/>
               <a:pPr/>
-              <a:t>2020/10/25</a:t>
+              <a:t>2020/12/7</a:t>
             </a:fld>
             <a:endParaRPr lang="zh-CN" altLang="en-US"/>
           </a:p>
@@ -12559,7 +12559,7 @@
             <a:fld id="{C33D8BF3-04B1-4578-9944-A784348B543C}" type="datetimeFigureOut">
               <a:rPr lang="zh-CN" altLang="en-US"/>
               <a:pPr/>
-              <a:t>2020/10/25</a:t>
+              <a:t>2020/12/7</a:t>
             </a:fld>
             <a:endParaRPr lang="zh-CN" altLang="en-US"/>
           </a:p>
@@ -12686,7 +12686,7 @@
             <a:fld id="{C33D8BF3-04B1-4578-9944-A784348B543C}" type="datetimeFigureOut">
               <a:rPr lang="zh-CN" altLang="en-US"/>
               <a:pPr/>
-              <a:t>2020/10/25</a:t>
+              <a:t>2020/12/7</a:t>
             </a:fld>
             <a:endParaRPr lang="zh-CN" altLang="en-US"/>
           </a:p>
@@ -12902,7 +12902,7 @@
             <a:fld id="{C33D8BF3-04B1-4578-9944-A784348B543C}" type="datetimeFigureOut">
               <a:rPr lang="zh-CN" altLang="en-US"/>
               <a:pPr/>
-              <a:t>2020/10/25</a:t>
+              <a:t>2020/12/7</a:t>
             </a:fld>
             <a:endParaRPr lang="zh-CN" altLang="en-US"/>
           </a:p>
@@ -13124,7 +13124,7 @@
             <a:fld id="{C33D8BF3-04B1-4578-9944-A784348B543C}" type="datetimeFigureOut">
               <a:rPr lang="zh-CN" altLang="en-US"/>
               <a:pPr/>
-              <a:t>2020/10/25</a:t>
+              <a:t>2020/12/7</a:t>
             </a:fld>
             <a:endParaRPr lang="zh-CN" altLang="en-US"/>
           </a:p>
@@ -13536,7 +13536,7 @@
             <a:fld id="{C33D8BF3-04B1-4578-9944-A784348B543C}" type="datetimeFigureOut">
               <a:rPr lang="zh-CN" altLang="en-US"/>
               <a:pPr/>
-              <a:t>2020/10/25</a:t>
+              <a:t>2020/12/7</a:t>
             </a:fld>
             <a:endParaRPr lang="zh-CN" altLang="en-US"/>
           </a:p>
@@ -14238,13 +14238,18 @@
         </p:nvSpPr>
         <p:spPr>
           <a:xfrm>
-            <a:off x="3825875" y="1128713"/>
+            <a:off x="3700144" y="1182531"/>
             <a:ext cx="3154363" cy="2976562"/>
           </a:xfrm>
           <a:prstGeom prst="rect">
             <a:avLst/>
           </a:prstGeom>
-          <a:noFill/>
+          <a:solidFill>
+            <a:schemeClr val="tx1">
+              <a:lumMod val="20000"/>
+              <a:lumOff val="80000"/>
+            </a:schemeClr>
+          </a:solidFill>
           <a:ln w="9525">
             <a:noFill/>
           </a:ln>
@@ -14576,7 +14581,7 @@
         </p:nvSpPr>
         <p:spPr>
           <a:xfrm>
-            <a:off x="3544888" y="4803775"/>
+            <a:off x="3700144" y="4309195"/>
             <a:ext cx="5319712" cy="201613"/>
           </a:xfrm>
           <a:prstGeom prst="rect">
@@ -15439,38 +15444,24 @@
         </p:nvSpPr>
         <p:spPr bwMode="auto">
           <a:xfrm>
-            <a:off x="-23813" y="846138"/>
-            <a:ext cx="9483726" cy="3322637"/>
+            <a:off x="134123" y="1203655"/>
+            <a:ext cx="8844108" cy="2951898"/>
           </a:xfrm>
           <a:prstGeom prst="rect">
             <a:avLst/>
           </a:prstGeom>
-          <a:noFill/>
+          <a:solidFill>
+            <a:schemeClr val="tx1">
+              <a:lumMod val="20000"/>
+              <a:lumOff val="80000"/>
+            </a:schemeClr>
+          </a:solidFill>
           <a:ln>
             <a:noFill/>
           </a:ln>
-          <a:extLst>
-            <a:ext uri="{909E8E84-426E-40DD-AFC4-6F175D3DCCD1}">
-              <a14:hiddenFill xmlns:a14="http://schemas.microsoft.com/office/drawing/2010/main">
-                <a:solidFill>
-                  <a:srgbClr val="FFFFFF"/>
-                </a:solidFill>
-              </a14:hiddenFill>
-            </a:ext>
-            <a:ext uri="{91240B29-F687-4F45-9708-019B960494DF}">
-              <a14:hiddenLine xmlns:a14="http://schemas.microsoft.com/office/drawing/2010/main" w="9525">
-                <a:solidFill>
-                  <a:srgbClr val="000000"/>
-                </a:solidFill>
-                <a:miter lim="800000"/>
-                <a:headEnd/>
-                <a:tailEnd/>
-              </a14:hiddenLine>
-            </a:ext>
-          </a:extLst>
         </p:spPr>
         <p:txBody>
-          <a:bodyPr>
+          <a:bodyPr wrap="square">
             <a:spAutoFit/>
           </a:bodyPr>
           <a:lstStyle>
@@ -15591,35 +15582,35 @@
               </a:lnSpc>
             </a:pPr>
             <a:r>
-              <a:rPr lang="zh-CN" altLang="en-US" sz="2000">
+              <a:rPr lang="zh-CN" altLang="en-US" dirty="0">
                 <a:latin typeface="微软雅黑" panose="020B0503020204020204" pitchFamily="34" charset="-122"/>
                 <a:ea typeface="微软雅黑" panose="020B0503020204020204" pitchFamily="34" charset="-122"/>
               </a:rPr>
               <a:t>（</a:t>
             </a:r>
             <a:r>
-              <a:rPr lang="en-US" altLang="zh-CN" sz="2000">
+              <a:rPr lang="en-US" altLang="zh-CN" dirty="0">
                 <a:latin typeface="微软雅黑" panose="020B0503020204020204" pitchFamily="34" charset="-122"/>
                 <a:ea typeface="微软雅黑" panose="020B0503020204020204" pitchFamily="34" charset="-122"/>
               </a:rPr>
               <a:t>1</a:t>
             </a:r>
             <a:r>
-              <a:rPr lang="zh-CN" altLang="en-US" sz="2000">
+              <a:rPr lang="zh-CN" altLang="en-US" dirty="0">
                 <a:latin typeface="微软雅黑" panose="020B0503020204020204" pitchFamily="34" charset="-122"/>
                 <a:ea typeface="微软雅黑" panose="020B0503020204020204" pitchFamily="34" charset="-122"/>
               </a:rPr>
               <a:t>）创建</a:t>
             </a:r>
             <a:r>
-              <a:rPr lang="en-US" altLang="zh-CN" sz="2000" b="1">
+              <a:rPr lang="en-US" altLang="zh-CN" b="1" dirty="0" err="1">
                 <a:latin typeface="微软雅黑" panose="020B0503020204020204" pitchFamily="34" charset="-122"/>
                 <a:ea typeface="微软雅黑" panose="020B0503020204020204" pitchFamily="34" charset="-122"/>
               </a:rPr>
               <a:t>SAXParserFactory</a:t>
             </a:r>
             <a:r>
-              <a:rPr lang="zh-CN" altLang="en-US" sz="2000">
+              <a:rPr lang="zh-CN" altLang="en-US" dirty="0">
                 <a:latin typeface="微软雅黑" panose="020B0503020204020204" pitchFamily="34" charset="-122"/>
                 <a:ea typeface="微软雅黑" panose="020B0503020204020204" pitchFamily="34" charset="-122"/>
               </a:rPr>
@@ -15633,59 +15624,66 @@
               </a:lnSpc>
             </a:pPr>
             <a:r>
-              <a:rPr lang="zh-CN" altLang="en-US" sz="2000">
+              <a:rPr lang="zh-CN" altLang="en-US" dirty="0">
                 <a:latin typeface="微软雅黑" panose="020B0503020204020204" pitchFamily="34" charset="-122"/>
                 <a:ea typeface="微软雅黑" panose="020B0503020204020204" pitchFamily="34" charset="-122"/>
               </a:rPr>
               <a:t>（</a:t>
             </a:r>
             <a:r>
-              <a:rPr lang="en-US" altLang="zh-CN" sz="2000">
+              <a:rPr lang="en-US" altLang="zh-CN" dirty="0">
                 <a:latin typeface="微软雅黑" panose="020B0503020204020204" pitchFamily="34" charset="-122"/>
                 <a:ea typeface="微软雅黑" panose="020B0503020204020204" pitchFamily="34" charset="-122"/>
               </a:rPr>
               <a:t>2</a:t>
             </a:r>
             <a:r>
-              <a:rPr lang="zh-CN" altLang="en-US" sz="2000">
+              <a:rPr lang="zh-CN" altLang="en-US" dirty="0">
                 <a:latin typeface="微软雅黑" panose="020B0503020204020204" pitchFamily="34" charset="-122"/>
                 <a:ea typeface="微软雅黑" panose="020B0503020204020204" pitchFamily="34" charset="-122"/>
               </a:rPr>
               <a:t>）根据</a:t>
             </a:r>
             <a:r>
-              <a:rPr lang="en-US" altLang="zh-CN" sz="2000" b="1">
+              <a:rPr lang="en-US" altLang="zh-CN" b="1" dirty="0" err="1">
                 <a:latin typeface="微软雅黑" panose="020B0503020204020204" pitchFamily="34" charset="-122"/>
                 <a:ea typeface="微软雅黑" panose="020B0503020204020204" pitchFamily="34" charset="-122"/>
               </a:rPr>
               <a:t>SAXParserFactory</a:t>
             </a:r>
             <a:r>
-              <a:rPr lang="en-US" altLang="zh-CN" sz="2000">
+              <a:rPr lang="en-US" altLang="zh-CN" dirty="0" err="1">
                 <a:latin typeface="微软雅黑" panose="020B0503020204020204" pitchFamily="34" charset="-122"/>
                 <a:ea typeface="微软雅黑" panose="020B0503020204020204" pitchFamily="34" charset="-122"/>
               </a:rPr>
-              <a:t>.newSAXParser()</a:t>
-            </a:r>
-            <a:r>
-              <a:rPr lang="zh-CN" altLang="en-US" sz="2000">
+              <a:t>.newSAXParser</a:t>
+            </a:r>
+            <a:r>
+              <a:rPr lang="en-US" altLang="zh-CN" dirty="0">
                 <a:latin typeface="微软雅黑" panose="020B0503020204020204" pitchFamily="34" charset="-122"/>
                 <a:ea typeface="微软雅黑" panose="020B0503020204020204" pitchFamily="34" charset="-122"/>
               </a:rPr>
-              <a:t>方法返回一个</a:t>
-            </a:r>
-            <a:r>
-              <a:rPr lang="en-US" altLang="zh-CN" sz="2000" b="1">
-                <a:solidFill>
-                  <a:srgbClr val="00B050"/>
-                </a:solidFill>
+              <a:t>()</a:t>
+            </a:r>
+            <a:r>
+              <a:rPr lang="zh-CN" altLang="en-US" dirty="0">
                 <a:latin typeface="微软雅黑" panose="020B0503020204020204" pitchFamily="34" charset="-122"/>
                 <a:ea typeface="微软雅黑" panose="020B0503020204020204" pitchFamily="34" charset="-122"/>
               </a:rPr>
+              <a:t>方法返回一个</a:t>
+            </a:r>
+            <a:r>
+              <a:rPr lang="en-US" altLang="zh-CN" b="1" dirty="0" err="1">
+                <a:solidFill>
+                  <a:srgbClr val="00B050"/>
+                </a:solidFill>
+                <a:latin typeface="微软雅黑" panose="020B0503020204020204" pitchFamily="34" charset="-122"/>
+                <a:ea typeface="微软雅黑" panose="020B0503020204020204" pitchFamily="34" charset="-122"/>
+              </a:rPr>
               <a:t>SAXParser</a:t>
             </a:r>
             <a:r>
-              <a:rPr lang="zh-CN" altLang="en-US" sz="2000">
+              <a:rPr lang="zh-CN" altLang="en-US" dirty="0">
                 <a:latin typeface="微软雅黑" panose="020B0503020204020204" pitchFamily="34" charset="-122"/>
                 <a:ea typeface="微软雅黑" panose="020B0503020204020204" pitchFamily="34" charset="-122"/>
               </a:rPr>
@@ -15699,28 +15697,28 @@
               </a:lnSpc>
             </a:pPr>
             <a:r>
-              <a:rPr lang="zh-CN" altLang="en-US" sz="2000">
+              <a:rPr lang="zh-CN" altLang="en-US" dirty="0">
                 <a:latin typeface="微软雅黑" panose="020B0503020204020204" pitchFamily="34" charset="-122"/>
                 <a:ea typeface="微软雅黑" panose="020B0503020204020204" pitchFamily="34" charset="-122"/>
               </a:rPr>
               <a:t>（</a:t>
             </a:r>
             <a:r>
-              <a:rPr lang="en-US" altLang="zh-CN" sz="2000">
+              <a:rPr lang="en-US" altLang="zh-CN" dirty="0">
                 <a:latin typeface="微软雅黑" panose="020B0503020204020204" pitchFamily="34" charset="-122"/>
                 <a:ea typeface="微软雅黑" panose="020B0503020204020204" pitchFamily="34" charset="-122"/>
               </a:rPr>
               <a:t>3</a:t>
             </a:r>
             <a:r>
-              <a:rPr lang="zh-CN" altLang="en-US" sz="2000">
+              <a:rPr lang="zh-CN" altLang="en-US" dirty="0">
                 <a:latin typeface="微软雅黑" panose="020B0503020204020204" pitchFamily="34" charset="-122"/>
                 <a:ea typeface="微软雅黑" panose="020B0503020204020204" pitchFamily="34" charset="-122"/>
               </a:rPr>
               <a:t>）根据</a:t>
             </a:r>
             <a:r>
-              <a:rPr lang="en-US" altLang="zh-CN" sz="2000" b="1">
+              <a:rPr lang="en-US" altLang="zh-CN" b="1" dirty="0" err="1">
                 <a:solidFill>
                   <a:srgbClr val="00B050"/>
                 </a:solidFill>
@@ -15730,14 +15728,14 @@
               <a:t>SAXParser</a:t>
             </a:r>
             <a:r>
-              <a:rPr lang="zh-CN" altLang="en-US" sz="2000">
+              <a:rPr lang="zh-CN" altLang="en-US" dirty="0">
                 <a:latin typeface="微软雅黑" panose="020B0503020204020204" pitchFamily="34" charset="-122"/>
                 <a:ea typeface="微软雅黑" panose="020B0503020204020204" pitchFamily="34" charset="-122"/>
               </a:rPr>
               <a:t>解析器获取事件源对象</a:t>
             </a:r>
             <a:r>
-              <a:rPr lang="en-US" altLang="zh-CN" sz="2000" b="1">
+              <a:rPr lang="en-US" altLang="zh-CN" b="1" dirty="0" err="1">
                 <a:solidFill>
                   <a:srgbClr val="0070C0"/>
                 </a:solidFill>
@@ -15747,7 +15745,7 @@
               <a:t>XMLReader</a:t>
             </a:r>
             <a:r>
-              <a:rPr lang="zh-CN" altLang="en-US" sz="2000">
+              <a:rPr lang="zh-CN" altLang="en-US" dirty="0">
                 <a:latin typeface="微软雅黑" panose="020B0503020204020204" pitchFamily="34" charset="-122"/>
                 <a:ea typeface="微软雅黑" panose="020B0503020204020204" pitchFamily="34" charset="-122"/>
               </a:rPr>
@@ -15761,28 +15759,28 @@
               </a:lnSpc>
             </a:pPr>
             <a:r>
-              <a:rPr lang="zh-CN" altLang="en-US" sz="2000">
+              <a:rPr lang="zh-CN" altLang="en-US" dirty="0">
                 <a:latin typeface="微软雅黑" panose="020B0503020204020204" pitchFamily="34" charset="-122"/>
                 <a:ea typeface="微软雅黑" panose="020B0503020204020204" pitchFamily="34" charset="-122"/>
               </a:rPr>
               <a:t>（</a:t>
             </a:r>
             <a:r>
-              <a:rPr lang="en-US" altLang="zh-CN" sz="2000">
+              <a:rPr lang="en-US" altLang="zh-CN" dirty="0">
                 <a:latin typeface="微软雅黑" panose="020B0503020204020204" pitchFamily="34" charset="-122"/>
                 <a:ea typeface="微软雅黑" panose="020B0503020204020204" pitchFamily="34" charset="-122"/>
               </a:rPr>
               <a:t>4</a:t>
             </a:r>
             <a:r>
-              <a:rPr lang="zh-CN" altLang="en-US" sz="2000">
+              <a:rPr lang="zh-CN" altLang="en-US" dirty="0">
                 <a:latin typeface="微软雅黑" panose="020B0503020204020204" pitchFamily="34" charset="-122"/>
                 <a:ea typeface="微软雅黑" panose="020B0503020204020204" pitchFamily="34" charset="-122"/>
               </a:rPr>
               <a:t>）实例化一个</a:t>
             </a:r>
             <a:r>
-              <a:rPr lang="en-US" altLang="zh-CN" sz="2000" b="1">
+              <a:rPr lang="en-US" altLang="zh-CN" b="1" dirty="0" err="1">
                 <a:solidFill>
                   <a:srgbClr val="FF0000"/>
                 </a:solidFill>
@@ -15792,35 +15790,35 @@
               <a:t>DefaultHandler</a:t>
             </a:r>
             <a:r>
-              <a:rPr lang="zh-CN" altLang="en-US" sz="2000">
+              <a:rPr lang="zh-CN" altLang="en-US" dirty="0">
                 <a:latin typeface="微软雅黑" panose="020B0503020204020204" pitchFamily="34" charset="-122"/>
                 <a:ea typeface="微软雅黑" panose="020B0503020204020204" pitchFamily="34" charset="-122"/>
               </a:rPr>
               <a:t>对象；（</a:t>
             </a:r>
             <a:r>
-              <a:rPr lang="en-US" altLang="zh-CN" sz="2000">
+              <a:rPr lang="en-US" altLang="zh-CN" dirty="0" err="1">
                 <a:latin typeface="微软雅黑" panose="020B0503020204020204" pitchFamily="34" charset="-122"/>
                 <a:ea typeface="微软雅黑" panose="020B0503020204020204" pitchFamily="34" charset="-122"/>
               </a:rPr>
               <a:t>DefaultHandler</a:t>
             </a:r>
             <a:r>
-              <a:rPr lang="zh-CN" altLang="en-US" sz="2000">
+              <a:rPr lang="zh-CN" altLang="en-US" dirty="0">
                 <a:latin typeface="微软雅黑" panose="020B0503020204020204" pitchFamily="34" charset="-122"/>
                 <a:ea typeface="微软雅黑" panose="020B0503020204020204" pitchFamily="34" charset="-122"/>
               </a:rPr>
               <a:t>回调方法</a:t>
             </a:r>
             <a:r>
-              <a:rPr lang="en-US" altLang="zh-CN" sz="2000">
+              <a:rPr lang="en-US" altLang="zh-CN" dirty="0">
                 <a:latin typeface="微软雅黑" panose="020B0503020204020204" pitchFamily="34" charset="-122"/>
                 <a:ea typeface="微软雅黑" panose="020B0503020204020204" pitchFamily="34" charset="-122"/>
               </a:rPr>
               <a:t> P186</a:t>
             </a:r>
             <a:r>
-              <a:rPr lang="zh-CN" altLang="en-US" sz="2000">
+              <a:rPr lang="zh-CN" altLang="en-US" dirty="0">
                 <a:latin typeface="微软雅黑" panose="020B0503020204020204" pitchFamily="34" charset="-122"/>
                 <a:ea typeface="微软雅黑" panose="020B0503020204020204" pitchFamily="34" charset="-122"/>
               </a:rPr>
@@ -15834,28 +15832,28 @@
               </a:lnSpc>
             </a:pPr>
             <a:r>
-              <a:rPr lang="zh-CN" altLang="en-US" sz="2000">
+              <a:rPr lang="zh-CN" altLang="en-US" dirty="0">
                 <a:latin typeface="微软雅黑" panose="020B0503020204020204" pitchFamily="34" charset="-122"/>
                 <a:ea typeface="微软雅黑" panose="020B0503020204020204" pitchFamily="34" charset="-122"/>
               </a:rPr>
               <a:t>（</a:t>
             </a:r>
             <a:r>
-              <a:rPr lang="en-US" altLang="zh-CN" sz="2000">
+              <a:rPr lang="en-US" altLang="zh-CN" dirty="0">
                 <a:latin typeface="微软雅黑" panose="020B0503020204020204" pitchFamily="34" charset="-122"/>
                 <a:ea typeface="微软雅黑" panose="020B0503020204020204" pitchFamily="34" charset="-122"/>
               </a:rPr>
               <a:t>5</a:t>
             </a:r>
             <a:r>
-              <a:rPr lang="zh-CN" altLang="en-US" sz="2000">
+              <a:rPr lang="zh-CN" altLang="en-US" dirty="0">
                 <a:latin typeface="微软雅黑" panose="020B0503020204020204" pitchFamily="34" charset="-122"/>
                 <a:ea typeface="微软雅黑" panose="020B0503020204020204" pitchFamily="34" charset="-122"/>
               </a:rPr>
               <a:t>）连接事件源对象</a:t>
             </a:r>
             <a:r>
-              <a:rPr lang="en-US" altLang="zh-CN" sz="2000" b="1">
+              <a:rPr lang="en-US" altLang="zh-CN" b="1" dirty="0" err="1">
                 <a:solidFill>
                   <a:srgbClr val="0070C0"/>
                 </a:solidFill>
@@ -15865,14 +15863,14 @@
               <a:t>XMLReader</a:t>
             </a:r>
             <a:r>
-              <a:rPr lang="zh-CN" altLang="en-US" sz="2000">
+              <a:rPr lang="zh-CN" altLang="en-US" dirty="0">
                 <a:latin typeface="微软雅黑" panose="020B0503020204020204" pitchFamily="34" charset="-122"/>
                 <a:ea typeface="微软雅黑" panose="020B0503020204020204" pitchFamily="34" charset="-122"/>
               </a:rPr>
               <a:t>到事件处理类</a:t>
             </a:r>
             <a:r>
-              <a:rPr lang="en-US" altLang="zh-CN" sz="2000" b="1">
+              <a:rPr lang="en-US" altLang="zh-CN" b="1" dirty="0" err="1">
                 <a:solidFill>
                   <a:srgbClr val="FF0000"/>
                 </a:solidFill>
@@ -15882,7 +15880,7 @@
               <a:t>DefaultHandler</a:t>
             </a:r>
             <a:r>
-              <a:rPr lang="zh-CN" altLang="en-US" sz="2000">
+              <a:rPr lang="zh-CN" altLang="en-US" dirty="0">
                 <a:latin typeface="微软雅黑" panose="020B0503020204020204" pitchFamily="34" charset="-122"/>
                 <a:ea typeface="微软雅黑" panose="020B0503020204020204" pitchFamily="34" charset="-122"/>
               </a:rPr>
@@ -15896,28 +15894,28 @@
               </a:lnSpc>
             </a:pPr>
             <a:r>
-              <a:rPr lang="zh-CN" altLang="en-US" sz="2000">
+              <a:rPr lang="zh-CN" altLang="en-US" dirty="0">
                 <a:latin typeface="微软雅黑" panose="020B0503020204020204" pitchFamily="34" charset="-122"/>
                 <a:ea typeface="微软雅黑" panose="020B0503020204020204" pitchFamily="34" charset="-122"/>
               </a:rPr>
               <a:t>（</a:t>
             </a:r>
             <a:r>
-              <a:rPr lang="en-US" altLang="zh-CN" sz="2000">
+              <a:rPr lang="en-US" altLang="zh-CN" dirty="0">
                 <a:latin typeface="微软雅黑" panose="020B0503020204020204" pitchFamily="34" charset="-122"/>
                 <a:ea typeface="微软雅黑" panose="020B0503020204020204" pitchFamily="34" charset="-122"/>
               </a:rPr>
               <a:t>6</a:t>
             </a:r>
             <a:r>
-              <a:rPr lang="zh-CN" altLang="en-US" sz="2000">
+              <a:rPr lang="zh-CN" altLang="en-US" dirty="0">
                 <a:latin typeface="微软雅黑" panose="020B0503020204020204" pitchFamily="34" charset="-122"/>
                 <a:ea typeface="微软雅黑" panose="020B0503020204020204" pitchFamily="34" charset="-122"/>
               </a:rPr>
               <a:t>）调用</a:t>
             </a:r>
             <a:r>
-              <a:rPr lang="en-US" altLang="zh-CN" sz="2000" b="1">
+              <a:rPr lang="en-US" altLang="zh-CN" b="1" dirty="0" err="1">
                 <a:solidFill>
                   <a:srgbClr val="0070C0"/>
                 </a:solidFill>
@@ -15927,35 +15925,35 @@
               <a:t>XMLReader</a:t>
             </a:r>
             <a:r>
-              <a:rPr lang="zh-CN" altLang="en-US" sz="2000">
+              <a:rPr lang="zh-CN" altLang="en-US" dirty="0">
                 <a:latin typeface="微软雅黑" panose="020B0503020204020204" pitchFamily="34" charset="-122"/>
                 <a:ea typeface="微软雅黑" panose="020B0503020204020204" pitchFamily="34" charset="-122"/>
               </a:rPr>
               <a:t>的</a:t>
             </a:r>
             <a:r>
-              <a:rPr lang="en-US" altLang="zh-CN" sz="2000">
+              <a:rPr lang="en-US" altLang="zh-CN" dirty="0">
                 <a:latin typeface="微软雅黑" panose="020B0503020204020204" pitchFamily="34" charset="-122"/>
                 <a:ea typeface="微软雅黑" panose="020B0503020204020204" pitchFamily="34" charset="-122"/>
               </a:rPr>
               <a:t>parse</a:t>
             </a:r>
             <a:r>
-              <a:rPr lang="zh-CN" altLang="en-US" sz="2000">
+              <a:rPr lang="zh-CN" altLang="en-US" dirty="0">
                 <a:latin typeface="微软雅黑" panose="020B0503020204020204" pitchFamily="34" charset="-122"/>
                 <a:ea typeface="微软雅黑" panose="020B0503020204020204" pitchFamily="34" charset="-122"/>
               </a:rPr>
               <a:t>方法从输入源中获取到的</a:t>
             </a:r>
             <a:r>
-              <a:rPr lang="en-US" altLang="zh-CN" sz="2000">
+              <a:rPr lang="en-US" altLang="zh-CN" dirty="0">
                 <a:latin typeface="微软雅黑" panose="020B0503020204020204" pitchFamily="34" charset="-122"/>
                 <a:ea typeface="微软雅黑" panose="020B0503020204020204" pitchFamily="34" charset="-122"/>
               </a:rPr>
               <a:t>xml</a:t>
             </a:r>
             <a:r>
-              <a:rPr lang="zh-CN" altLang="en-US" sz="2000">
+              <a:rPr lang="zh-CN" altLang="en-US" dirty="0">
                 <a:latin typeface="微软雅黑" panose="020B0503020204020204" pitchFamily="34" charset="-122"/>
                 <a:ea typeface="微软雅黑" panose="020B0503020204020204" pitchFamily="34" charset="-122"/>
               </a:rPr>
@@ -15969,28 +15967,28 @@
               </a:lnSpc>
             </a:pPr>
             <a:r>
-              <a:rPr lang="zh-CN" altLang="en-US" sz="2000">
+              <a:rPr lang="zh-CN" altLang="en-US" dirty="0">
                 <a:latin typeface="微软雅黑" panose="020B0503020204020204" pitchFamily="34" charset="-122"/>
                 <a:ea typeface="微软雅黑" panose="020B0503020204020204" pitchFamily="34" charset="-122"/>
               </a:rPr>
               <a:t>（</a:t>
             </a:r>
             <a:r>
-              <a:rPr lang="en-US" altLang="zh-CN" sz="2000">
+              <a:rPr lang="en-US" altLang="zh-CN" dirty="0">
                 <a:latin typeface="微软雅黑" panose="020B0503020204020204" pitchFamily="34" charset="-122"/>
                 <a:ea typeface="微软雅黑" panose="020B0503020204020204" pitchFamily="34" charset="-122"/>
               </a:rPr>
               <a:t>7</a:t>
             </a:r>
             <a:r>
-              <a:rPr lang="zh-CN" altLang="en-US" sz="2000">
+              <a:rPr lang="zh-CN" altLang="en-US" dirty="0">
                 <a:latin typeface="微软雅黑" panose="020B0503020204020204" pitchFamily="34" charset="-122"/>
                 <a:ea typeface="微软雅黑" panose="020B0503020204020204" pitchFamily="34" charset="-122"/>
               </a:rPr>
               <a:t>）通过</a:t>
             </a:r>
             <a:r>
-              <a:rPr lang="en-US" altLang="zh-CN" sz="2000" b="1">
+              <a:rPr lang="en-US" altLang="zh-CN" b="1" dirty="0" err="1">
                 <a:solidFill>
                   <a:srgbClr val="FF0000"/>
                 </a:solidFill>
@@ -16000,7 +15998,7 @@
               <a:t>DefaultHandler</a:t>
             </a:r>
             <a:r>
-              <a:rPr lang="zh-CN" altLang="en-US" sz="2000">
+              <a:rPr lang="zh-CN" altLang="en-US" dirty="0">
                 <a:latin typeface="微软雅黑" panose="020B0503020204020204" pitchFamily="34" charset="-122"/>
                 <a:ea typeface="微软雅黑" panose="020B0503020204020204" pitchFamily="34" charset="-122"/>
               </a:rPr>
@@ -16537,38 +16535,24 @@
         </p:nvSpPr>
         <p:spPr bwMode="auto">
           <a:xfrm>
-            <a:off x="493713" y="1004888"/>
-            <a:ext cx="3128962" cy="1476375"/>
+            <a:off x="361775" y="1017098"/>
+            <a:ext cx="5158362" cy="1476375"/>
           </a:xfrm>
           <a:prstGeom prst="rect">
             <a:avLst/>
           </a:prstGeom>
-          <a:noFill/>
+          <a:solidFill>
+            <a:schemeClr val="tx1">
+              <a:lumMod val="20000"/>
+              <a:lumOff val="80000"/>
+            </a:schemeClr>
+          </a:solidFill>
           <a:ln>
             <a:noFill/>
           </a:ln>
-          <a:extLst>
-            <a:ext uri="{909E8E84-426E-40DD-AFC4-6F175D3DCCD1}">
-              <a14:hiddenFill xmlns:a14="http://schemas.microsoft.com/office/drawing/2010/main">
-                <a:solidFill>
-                  <a:srgbClr val="FFFFFF"/>
-                </a:solidFill>
-              </a14:hiddenFill>
-            </a:ext>
-            <a:ext uri="{91240B29-F687-4F45-9708-019B960494DF}">
-              <a14:hiddenLine xmlns:a14="http://schemas.microsoft.com/office/drawing/2010/main" w="9525">
-                <a:solidFill>
-                  <a:srgbClr val="000000"/>
-                </a:solidFill>
-                <a:miter lim="800000"/>
-                <a:headEnd/>
-                <a:tailEnd/>
-              </a14:hiddenLine>
-            </a:ext>
-          </a:extLst>
         </p:spPr>
         <p:txBody>
-          <a:bodyPr wrap="none">
+          <a:bodyPr wrap="square">
             <a:spAutoFit/>
           </a:bodyPr>
           <a:lstStyle>
@@ -16684,75 +16668,75 @@
           </a:lstStyle>
           <a:p>
             <a:r>
-              <a:rPr lang="en-US" altLang="zh-CN"/>
+              <a:rPr lang="en-US" altLang="zh-CN" dirty="0"/>
               <a:t>1 </a:t>
             </a:r>
             <a:r>
-              <a:rPr lang="zh-CN" altLang="en-US"/>
+              <a:rPr lang="zh-CN" altLang="en-US" dirty="0"/>
               <a:t>运行本机</a:t>
             </a:r>
             <a:r>
-              <a:rPr lang="en-US" altLang="zh-CN"/>
+              <a:rPr lang="en-US" altLang="zh-CN" dirty="0"/>
               <a:t>Apache</a:t>
             </a:r>
             <a:r>
-              <a:rPr lang="zh-CN" altLang="en-US"/>
+              <a:rPr lang="zh-CN" altLang="en-US" dirty="0"/>
               <a:t>服务器</a:t>
             </a:r>
           </a:p>
           <a:p>
             <a:r>
-              <a:rPr lang="en-US" altLang="zh-CN"/>
+              <a:rPr lang="en-US" altLang="zh-CN" dirty="0"/>
               <a:t>2 </a:t>
             </a:r>
             <a:r>
-              <a:rPr lang="zh-CN" altLang="en-US"/>
+              <a:rPr lang="zh-CN" altLang="en-US" dirty="0"/>
               <a:t>在服务器放置</a:t>
             </a:r>
             <a:r>
-              <a:rPr lang="en-US" altLang="zh-CN"/>
+              <a:rPr lang="en-US" altLang="zh-CN" dirty="0"/>
               <a:t>XML</a:t>
             </a:r>
             <a:r>
-              <a:rPr lang="zh-CN" altLang="en-US"/>
+              <a:rPr lang="zh-CN" altLang="en-US" dirty="0"/>
               <a:t>文件</a:t>
             </a:r>
           </a:p>
           <a:p>
             <a:r>
-              <a:rPr lang="en-US" altLang="zh-CN"/>
+              <a:rPr lang="en-US" altLang="zh-CN" dirty="0"/>
               <a:t>3 </a:t>
             </a:r>
             <a:r>
-              <a:rPr lang="zh-CN" altLang="en-US"/>
+              <a:rPr lang="zh-CN" altLang="en-US" dirty="0"/>
               <a:t>使用客户端发出请求</a:t>
             </a:r>
           </a:p>
           <a:p>
             <a:r>
-              <a:rPr lang="en-US" altLang="zh-CN"/>
+              <a:rPr lang="en-US" altLang="zh-CN" dirty="0"/>
               <a:t>4 </a:t>
             </a:r>
             <a:r>
-              <a:rPr lang="zh-CN" altLang="en-US"/>
+              <a:rPr lang="zh-CN" altLang="en-US" dirty="0"/>
               <a:t>解析收到的文件</a:t>
             </a:r>
           </a:p>
           <a:p>
             <a:r>
-              <a:rPr lang="en-US" altLang="zh-CN"/>
+              <a:rPr lang="en-US" altLang="zh-CN" dirty="0"/>
               <a:t>5 </a:t>
             </a:r>
             <a:r>
-              <a:rPr lang="zh-CN" altLang="en-US"/>
+              <a:rPr lang="zh-CN" altLang="en-US" dirty="0"/>
               <a:t>读取本地</a:t>
             </a:r>
             <a:r>
-              <a:rPr lang="en-US" altLang="zh-CN"/>
+              <a:rPr lang="en-US" altLang="zh-CN" dirty="0"/>
               <a:t>XML</a:t>
             </a:r>
             <a:r>
-              <a:rPr lang="zh-CN" altLang="en-US"/>
+              <a:rPr lang="zh-CN" altLang="en-US" dirty="0"/>
               <a:t>文件，并解析</a:t>
             </a:r>
           </a:p>
@@ -17305,19 +17289,24 @@
         </p:nvSpPr>
         <p:spPr>
           <a:xfrm>
-            <a:off x="563563" y="750888"/>
-            <a:ext cx="6980237" cy="3014662"/>
+            <a:off x="539750" y="1149349"/>
+            <a:ext cx="7896707" cy="3016210"/>
           </a:xfrm>
           <a:prstGeom prst="rect">
             <a:avLst/>
           </a:prstGeom>
-          <a:noFill/>
+          <a:solidFill>
+            <a:schemeClr val="tx1">
+              <a:lumMod val="20000"/>
+              <a:lumOff val="80000"/>
+            </a:schemeClr>
+          </a:solidFill>
           <a:ln w="9525">
             <a:noFill/>
           </a:ln>
         </p:spPr>
         <p:txBody>
-          <a:bodyPr wrap="none">
+          <a:bodyPr wrap="square">
             <a:spAutoFit/>
           </a:bodyPr>
           <a:lstStyle/>
@@ -18454,38 +18443,24 @@
         </p:nvSpPr>
         <p:spPr bwMode="auto">
           <a:xfrm>
-            <a:off x="95250" y="4435475"/>
-            <a:ext cx="8953500" cy="414338"/>
+            <a:off x="261938" y="4437062"/>
+            <a:ext cx="8293015" cy="377411"/>
           </a:xfrm>
           <a:prstGeom prst="rect">
             <a:avLst/>
           </a:prstGeom>
-          <a:noFill/>
+          <a:solidFill>
+            <a:schemeClr val="tx1">
+              <a:lumMod val="20000"/>
+              <a:lumOff val="80000"/>
+            </a:schemeClr>
+          </a:solidFill>
           <a:ln>
             <a:noFill/>
           </a:ln>
-          <a:extLst>
-            <a:ext uri="{909E8E84-426E-40DD-AFC4-6F175D3DCCD1}">
-              <a14:hiddenFill xmlns:a14="http://schemas.microsoft.com/office/drawing/2010/main">
-                <a:solidFill>
-                  <a:srgbClr val="FFFFFF"/>
-                </a:solidFill>
-              </a14:hiddenFill>
-            </a:ext>
-            <a:ext uri="{91240B29-F687-4F45-9708-019B960494DF}">
-              <a14:hiddenLine xmlns:a14="http://schemas.microsoft.com/office/drawing/2010/main" w="9525">
-                <a:solidFill>
-                  <a:srgbClr val="000000"/>
-                </a:solidFill>
-                <a:miter lim="800000"/>
-                <a:headEnd/>
-                <a:tailEnd/>
-              </a14:hiddenLine>
-            </a:ext>
-          </a:extLst>
         </p:spPr>
         <p:txBody>
-          <a:bodyPr>
+          <a:bodyPr wrap="square">
             <a:spAutoFit/>
           </a:bodyPr>
           <a:lstStyle>
@@ -18606,18 +18581,46 @@
               </a:lnSpc>
             </a:pPr>
             <a:r>
-              <a:rPr lang="zh-CN" altLang="en-US" sz="1400">
+              <a:rPr lang="zh-CN" altLang="en-US" sz="1400" dirty="0">
                 <a:latin typeface="微软雅黑" panose="020B0503020204020204" pitchFamily="34" charset="-122"/>
                 <a:ea typeface="微软雅黑" panose="020B0503020204020204" pitchFamily="34" charset="-122"/>
               </a:rPr>
               <a:t>网络权限：</a:t>
             </a:r>
             <a:r>
-              <a:rPr lang="en-US" altLang="zh-CN" sz="1400">
+              <a:rPr lang="en-US" altLang="zh-CN" sz="1400" dirty="0">
                 <a:latin typeface="微软雅黑" panose="020B0503020204020204" pitchFamily="34" charset="-122"/>
                 <a:ea typeface="微软雅黑" panose="020B0503020204020204" pitchFamily="34" charset="-122"/>
               </a:rPr>
-              <a:t>&lt;uses-permission android:name="android.permission.ACCESS_NETWORK_STATE"/&gt;</a:t>
+              <a:t>&lt;uses-permission </a:t>
+            </a:r>
+            <a:r>
+              <a:rPr lang="en-US" altLang="zh-CN" sz="1400" dirty="0" err="1">
+                <a:latin typeface="微软雅黑" panose="020B0503020204020204" pitchFamily="34" charset="-122"/>
+                <a:ea typeface="微软雅黑" panose="020B0503020204020204" pitchFamily="34" charset="-122"/>
+              </a:rPr>
+              <a:t>android:name</a:t>
+            </a:r>
+            <a:r>
+              <a:rPr lang="en-US" altLang="zh-CN" sz="1400" dirty="0">
+                <a:latin typeface="微软雅黑" panose="020B0503020204020204" pitchFamily="34" charset="-122"/>
+                <a:ea typeface="微软雅黑" panose="020B0503020204020204" pitchFamily="34" charset="-122"/>
+              </a:rPr>
+              <a:t>="</a:t>
+            </a:r>
+            <a:r>
+              <a:rPr lang="en-US" altLang="zh-CN" sz="1400" dirty="0" err="1">
+                <a:latin typeface="微软雅黑" panose="020B0503020204020204" pitchFamily="34" charset="-122"/>
+                <a:ea typeface="微软雅黑" panose="020B0503020204020204" pitchFamily="34" charset="-122"/>
+              </a:rPr>
+              <a:t>android.permission.ACCESS_NETWORK_STATE</a:t>
+            </a:r>
+            <a:r>
+              <a:rPr lang="en-US" altLang="zh-CN" sz="1400" dirty="0">
+                <a:latin typeface="微软雅黑" panose="020B0503020204020204" pitchFamily="34" charset="-122"/>
+                <a:ea typeface="微软雅黑" panose="020B0503020204020204" pitchFamily="34" charset="-122"/>
+              </a:rPr>
+              <a:t>"/&gt;</a:t>
             </a:r>
           </a:p>
         </p:txBody>
@@ -18799,7 +18802,10 @@
             <a:avLst/>
           </a:prstGeom>
           <a:solidFill>
-            <a:schemeClr val="bg1"/>
+            <a:schemeClr val="tx1">
+              <a:lumMod val="20000"/>
+              <a:lumOff val="80000"/>
+            </a:schemeClr>
           </a:solidFill>
           <a:ln w="9525">
             <a:solidFill>
@@ -20259,19 +20265,24 @@
         </p:nvSpPr>
         <p:spPr>
           <a:xfrm>
-            <a:off x="611188" y="700088"/>
-            <a:ext cx="4745037" cy="3508375"/>
+            <a:off x="611725" y="915635"/>
+            <a:ext cx="7777077" cy="3508375"/>
           </a:xfrm>
           <a:prstGeom prst="rect">
             <a:avLst/>
           </a:prstGeom>
-          <a:noFill/>
+          <a:solidFill>
+            <a:schemeClr val="tx1">
+              <a:lumMod val="20000"/>
+              <a:lumOff val="80000"/>
+            </a:schemeClr>
+          </a:solidFill>
           <a:ln w="9525">
             <a:noFill/>
           </a:ln>
         </p:spPr>
         <p:txBody>
-          <a:bodyPr wrap="none">
+          <a:bodyPr wrap="square">
             <a:spAutoFit/>
           </a:bodyPr>
           <a:lstStyle/>
@@ -22340,38 +22351,24 @@
         </p:nvSpPr>
         <p:spPr bwMode="auto">
           <a:xfrm>
-            <a:off x="663575" y="698500"/>
-            <a:ext cx="6675438" cy="3967163"/>
+            <a:off x="663574" y="698500"/>
+            <a:ext cx="7508675" cy="3967163"/>
           </a:xfrm>
           <a:prstGeom prst="rect">
             <a:avLst/>
           </a:prstGeom>
-          <a:noFill/>
+          <a:solidFill>
+            <a:schemeClr val="tx1">
+              <a:lumMod val="20000"/>
+              <a:lumOff val="80000"/>
+            </a:schemeClr>
+          </a:solidFill>
           <a:ln>
             <a:noFill/>
           </a:ln>
-          <a:extLst>
-            <a:ext uri="{909E8E84-426E-40DD-AFC4-6F175D3DCCD1}">
-              <a14:hiddenFill xmlns:a14="http://schemas.microsoft.com/office/drawing/2010/main">
-                <a:solidFill>
-                  <a:srgbClr val="FFFFFF"/>
-                </a:solidFill>
-              </a14:hiddenFill>
-            </a:ext>
-            <a:ext uri="{91240B29-F687-4F45-9708-019B960494DF}">
-              <a14:hiddenLine xmlns:a14="http://schemas.microsoft.com/office/drawing/2010/main" w="9525">
-                <a:solidFill>
-                  <a:srgbClr val="000000"/>
-                </a:solidFill>
-                <a:miter lim="800000"/>
-                <a:headEnd/>
-                <a:tailEnd/>
-              </a14:hiddenLine>
-            </a:ext>
-          </a:extLst>
         </p:spPr>
         <p:txBody>
-          <a:bodyPr wrap="none">
+          <a:bodyPr wrap="square">
             <a:spAutoFit/>
           </a:bodyPr>
           <a:lstStyle>
@@ -22492,27 +22489,37 @@
               </a:lnSpc>
             </a:pPr>
             <a:r>
-              <a:rPr lang="en-US" altLang="zh-CN" sz="2800">
+              <a:rPr lang="en-US" altLang="zh-CN" sz="2800" dirty="0">
                 <a:solidFill>
                   <a:srgbClr val="0070C0"/>
                 </a:solidFill>
                 <a:latin typeface="微软雅黑" panose="020B0503020204020204" pitchFamily="34" charset="-122"/>
                 <a:ea typeface="微软雅黑" panose="020B0503020204020204" pitchFamily="34" charset="-122"/>
               </a:rPr>
-              <a:t>1 webView.load</a:t>
-            </a:r>
-            <a:r>
-              <a:rPr lang="en-US" altLang="zh-CN" sz="2800">
-                <a:solidFill>
-                  <a:srgbClr val="FF0000"/>
+              <a:t>1 </a:t>
+            </a:r>
+            <a:r>
+              <a:rPr lang="en-US" altLang="zh-CN" sz="2800" dirty="0" err="1">
+                <a:solidFill>
+                  <a:srgbClr val="0070C0"/>
                 </a:solidFill>
                 <a:latin typeface="微软雅黑" panose="020B0503020204020204" pitchFamily="34" charset="-122"/>
                 <a:ea typeface="微软雅黑" panose="020B0503020204020204" pitchFamily="34" charset="-122"/>
               </a:rPr>
+              <a:t>webView.load</a:t>
+            </a:r>
+            <a:r>
+              <a:rPr lang="en-US" altLang="zh-CN" sz="2800" dirty="0" err="1">
+                <a:solidFill>
+                  <a:srgbClr val="FF0000"/>
+                </a:solidFill>
+                <a:latin typeface="微软雅黑" panose="020B0503020204020204" pitchFamily="34" charset="-122"/>
+                <a:ea typeface="微软雅黑" panose="020B0503020204020204" pitchFamily="34" charset="-122"/>
+              </a:rPr>
               <a:t>Url</a:t>
             </a:r>
             <a:r>
-              <a:rPr lang="en-US" altLang="zh-CN" sz="2800">
+              <a:rPr lang="en-US" altLang="zh-CN" sz="2800" dirty="0">
                 <a:solidFill>
                   <a:srgbClr val="0070C0"/>
                 </a:solidFill>
@@ -22529,25 +22536,32 @@
               </a:lnSpc>
             </a:pPr>
             <a:r>
-              <a:rPr lang="en-US" altLang="zh-CN" sz="1400">
+              <a:rPr lang="en-US" altLang="zh-CN" sz="1400" dirty="0" err="1">
                 <a:latin typeface="微软雅黑" panose="020B0503020204020204" pitchFamily="34" charset="-122"/>
                 <a:ea typeface="微软雅黑" panose="020B0503020204020204" pitchFamily="34" charset="-122"/>
               </a:rPr>
               <a:t>加载整个页面</a:t>
             </a:r>
             <a:r>
-              <a:rPr lang="zh-CN" altLang="en-US" sz="1400">
+              <a:rPr lang="zh-CN" altLang="en-US" sz="1400" dirty="0">
                 <a:latin typeface="微软雅黑" panose="020B0503020204020204" pitchFamily="34" charset="-122"/>
                 <a:ea typeface="微软雅黑" panose="020B0503020204020204" pitchFamily="34" charset="-122"/>
               </a:rPr>
               <a:t>。</a:t>
             </a:r>
             <a:r>
-              <a:rPr lang="en-US" altLang="zh-CN" sz="1400">
+              <a:rPr lang="en-US" altLang="zh-CN" sz="1400" dirty="0" err="1">
                 <a:latin typeface="微软雅黑" panose="020B0503020204020204" pitchFamily="34" charset="-122"/>
                 <a:ea typeface="微软雅黑" panose="020B0503020204020204" pitchFamily="34" charset="-122"/>
               </a:rPr>
-              <a:t>类似于浏览器打开，渲染整个页面。包括排版布局。</a:t>
+              <a:t>类似于浏览器打开，渲染整个页面。包括排版布局</a:t>
+            </a:r>
+            <a:r>
+              <a:rPr lang="en-US" altLang="zh-CN" sz="1400" dirty="0">
+                <a:latin typeface="微软雅黑" panose="020B0503020204020204" pitchFamily="34" charset="-122"/>
+                <a:ea typeface="微软雅黑" panose="020B0503020204020204" pitchFamily="34" charset="-122"/>
+              </a:rPr>
+              <a:t>。</a:t>
             </a:r>
           </a:p>
           <a:p>
@@ -22556,7 +22570,7 @@
                 <a:spcPct val="120000"/>
               </a:lnSpc>
             </a:pPr>
-            <a:endParaRPr lang="en-US" altLang="zh-CN" sz="1400">
+            <a:endParaRPr lang="en-US" altLang="zh-CN" sz="1400" dirty="0">
               <a:latin typeface="微软雅黑" panose="020B0503020204020204" pitchFamily="34" charset="-122"/>
               <a:ea typeface="微软雅黑" panose="020B0503020204020204" pitchFamily="34" charset="-122"/>
             </a:endParaRPr>
@@ -22568,27 +22582,37 @@
               </a:lnSpc>
             </a:pPr>
             <a:r>
-              <a:rPr lang="en-US" altLang="zh-CN" sz="2800">
+              <a:rPr lang="en-US" altLang="zh-CN" sz="2800" dirty="0">
                 <a:solidFill>
                   <a:srgbClr val="0070C0"/>
                 </a:solidFill>
                 <a:latin typeface="微软雅黑" panose="020B0503020204020204" pitchFamily="34" charset="-122"/>
                 <a:ea typeface="微软雅黑" panose="020B0503020204020204" pitchFamily="34" charset="-122"/>
               </a:rPr>
-              <a:t>2 webView.load</a:t>
-            </a:r>
-            <a:r>
-              <a:rPr lang="en-US" altLang="zh-CN" sz="2800">
-                <a:solidFill>
-                  <a:srgbClr val="FF0000"/>
+              <a:t>2 </a:t>
+            </a:r>
+            <a:r>
+              <a:rPr lang="en-US" altLang="zh-CN" sz="2800" dirty="0" err="1">
+                <a:solidFill>
+                  <a:srgbClr val="0070C0"/>
                 </a:solidFill>
                 <a:latin typeface="微软雅黑" panose="020B0503020204020204" pitchFamily="34" charset="-122"/>
                 <a:ea typeface="微软雅黑" panose="020B0503020204020204" pitchFamily="34" charset="-122"/>
               </a:rPr>
+              <a:t>webView.load</a:t>
+            </a:r>
+            <a:r>
+              <a:rPr lang="en-US" altLang="zh-CN" sz="2800" dirty="0" err="1">
+                <a:solidFill>
+                  <a:srgbClr val="FF0000"/>
+                </a:solidFill>
+                <a:latin typeface="微软雅黑" panose="020B0503020204020204" pitchFamily="34" charset="-122"/>
+                <a:ea typeface="微软雅黑" panose="020B0503020204020204" pitchFamily="34" charset="-122"/>
+              </a:rPr>
               <a:t>Data</a:t>
             </a:r>
             <a:r>
-              <a:rPr lang="en-US" altLang="zh-CN" sz="2800">
+              <a:rPr lang="en-US" altLang="zh-CN" sz="2800" dirty="0">
                 <a:solidFill>
                   <a:srgbClr val="0070C0"/>
                 </a:solidFill>
@@ -22605,7 +22629,7 @@
               </a:lnSpc>
             </a:pPr>
             <a:r>
-              <a:rPr lang="zh-CN" altLang="en-US" sz="1400">
+              <a:rPr lang="zh-CN" altLang="en-US" sz="1400" dirty="0">
                 <a:latin typeface="微软雅黑" panose="020B0503020204020204" pitchFamily="34" charset="-122"/>
                 <a:ea typeface="微软雅黑" panose="020B0503020204020204" pitchFamily="34" charset="-122"/>
               </a:rPr>
@@ -22618,7 +22642,7 @@
                 <a:spcPct val="120000"/>
               </a:lnSpc>
             </a:pPr>
-            <a:endParaRPr lang="en-US" altLang="zh-CN" sz="1400">
+            <a:endParaRPr lang="en-US" altLang="zh-CN" sz="1400" dirty="0">
               <a:latin typeface="微软雅黑" panose="020B0503020204020204" pitchFamily="34" charset="-122"/>
               <a:ea typeface="微软雅黑" panose="020B0503020204020204" pitchFamily="34" charset="-122"/>
             </a:endParaRPr>
@@ -22630,37 +22654,47 @@
               </a:lnSpc>
             </a:pPr>
             <a:r>
-              <a:rPr lang="en-US" altLang="zh-CN" sz="2800">
+              <a:rPr lang="en-US" altLang="zh-CN" sz="2800" dirty="0">
                 <a:solidFill>
                   <a:srgbClr val="0070C0"/>
                 </a:solidFill>
                 <a:latin typeface="微软雅黑" panose="020B0503020204020204" pitchFamily="34" charset="-122"/>
                 <a:ea typeface="微软雅黑" panose="020B0503020204020204" pitchFamily="34" charset="-122"/>
               </a:rPr>
-              <a:t>3 WebView.load</a:t>
-            </a:r>
-            <a:r>
-              <a:rPr lang="en-US" altLang="zh-CN" sz="2800">
-                <a:solidFill>
-                  <a:srgbClr val="FF0000"/>
+              <a:t>3 </a:t>
+            </a:r>
+            <a:r>
+              <a:rPr lang="en-US" altLang="zh-CN" sz="2800" dirty="0" err="1">
+                <a:solidFill>
+                  <a:srgbClr val="0070C0"/>
                 </a:solidFill>
                 <a:latin typeface="微软雅黑" panose="020B0503020204020204" pitchFamily="34" charset="-122"/>
                 <a:ea typeface="微软雅黑" panose="020B0503020204020204" pitchFamily="34" charset="-122"/>
               </a:rPr>
-              <a:t>DataWithBaseURL</a:t>
-            </a:r>
-            <a:r>
-              <a:rPr lang="en-US" altLang="zh-CN" sz="2800">
-                <a:solidFill>
-                  <a:srgbClr val="0070C0"/>
+              <a:t>WebView.load</a:t>
+            </a:r>
+            <a:r>
+              <a:rPr lang="en-US" altLang="zh-CN" sz="2800" dirty="0" err="1">
+                <a:solidFill>
+                  <a:srgbClr val="FF0000"/>
                 </a:solidFill>
                 <a:latin typeface="微软雅黑" panose="020B0503020204020204" pitchFamily="34" charset="-122"/>
                 <a:ea typeface="微软雅黑" panose="020B0503020204020204" pitchFamily="34" charset="-122"/>
               </a:rPr>
+              <a:t>DataWithBaseURL</a:t>
+            </a:r>
+            <a:r>
+              <a:rPr lang="en-US" altLang="zh-CN" sz="2800" dirty="0">
+                <a:solidFill>
+                  <a:srgbClr val="0070C0"/>
+                </a:solidFill>
+                <a:latin typeface="微软雅黑" panose="020B0503020204020204" pitchFamily="34" charset="-122"/>
+                <a:ea typeface="微软雅黑" panose="020B0503020204020204" pitchFamily="34" charset="-122"/>
+              </a:rPr>
               <a:t>()</a:t>
             </a:r>
             <a:r>
-              <a:rPr lang="zh-CN" altLang="en-US" sz="2800">
+              <a:rPr lang="zh-CN" altLang="en-US" sz="2800" dirty="0">
                 <a:solidFill>
                   <a:srgbClr val="0070C0"/>
                 </a:solidFill>
@@ -22677,13 +22711,13 @@
               </a:lnSpc>
             </a:pPr>
             <a:r>
-              <a:rPr lang="zh-CN" altLang="en-US" sz="1400">
+              <a:rPr lang="zh-CN" altLang="en-US" sz="1400" dirty="0">
                 <a:latin typeface="微软雅黑" panose="020B0503020204020204" pitchFamily="34" charset="-122"/>
                 <a:ea typeface="微软雅黑" panose="020B0503020204020204" pitchFamily="34" charset="-122"/>
               </a:rPr>
               <a:t>加载局部页面。</a:t>
             </a:r>
-            <a:endParaRPr lang="en-US" altLang="zh-CN" sz="1400">
+            <a:endParaRPr lang="en-US" altLang="zh-CN" sz="1400" dirty="0">
               <a:latin typeface="微软雅黑" panose="020B0503020204020204" pitchFamily="34" charset="-122"/>
               <a:ea typeface="微软雅黑" panose="020B0503020204020204" pitchFamily="34" charset="-122"/>
             </a:endParaRPr>
@@ -22695,11 +22729,46 @@
               </a:lnSpc>
             </a:pPr>
             <a:r>
-              <a:rPr lang="en-US" altLang="zh-CN" sz="1400">
+              <a:rPr lang="en-US" altLang="zh-CN" sz="1400" dirty="0" err="1">
                 <a:latin typeface="微软雅黑" panose="020B0503020204020204" pitchFamily="34" charset="-122"/>
                 <a:ea typeface="微软雅黑" panose="020B0503020204020204" pitchFamily="34" charset="-122"/>
               </a:rPr>
-              <a:t>loadDataWithBaseURL()比loadData()多两个参数，</a:t>
+              <a:t>loadDataWithBaseURL</a:t>
+            </a:r>
+            <a:r>
+              <a:rPr lang="en-US" altLang="zh-CN" sz="1400" dirty="0">
+                <a:latin typeface="微软雅黑" panose="020B0503020204020204" pitchFamily="34" charset="-122"/>
+                <a:ea typeface="微软雅黑" panose="020B0503020204020204" pitchFamily="34" charset="-122"/>
+              </a:rPr>
+              <a:t>()</a:t>
+            </a:r>
+            <a:r>
+              <a:rPr lang="en-US" altLang="zh-CN" sz="1400" dirty="0" err="1">
+                <a:latin typeface="微软雅黑" panose="020B0503020204020204" pitchFamily="34" charset="-122"/>
+                <a:ea typeface="微软雅黑" panose="020B0503020204020204" pitchFamily="34" charset="-122"/>
+              </a:rPr>
+              <a:t>比loadData</a:t>
+            </a:r>
+            <a:r>
+              <a:rPr lang="en-US" altLang="zh-CN" sz="1400" dirty="0">
+                <a:latin typeface="微软雅黑" panose="020B0503020204020204" pitchFamily="34" charset="-122"/>
+                <a:ea typeface="微软雅黑" panose="020B0503020204020204" pitchFamily="34" charset="-122"/>
+              </a:rPr>
+              <a:t>()</a:t>
+            </a:r>
+            <a:r>
+              <a:rPr lang="en-US" altLang="zh-CN" sz="1400" dirty="0" err="1">
+                <a:latin typeface="微软雅黑" panose="020B0503020204020204" pitchFamily="34" charset="-122"/>
+                <a:ea typeface="微软雅黑" panose="020B0503020204020204" pitchFamily="34" charset="-122"/>
+              </a:rPr>
+              <a:t>多两个参数</a:t>
+            </a:r>
+            <a:r>
+              <a:rPr lang="en-US" altLang="zh-CN" sz="1400" dirty="0">
+                <a:latin typeface="微软雅黑" panose="020B0503020204020204" pitchFamily="34" charset="-122"/>
+                <a:ea typeface="微软雅黑" panose="020B0503020204020204" pitchFamily="34" charset="-122"/>
+              </a:rPr>
+              <a:t>，</a:t>
             </a:r>
           </a:p>
           <a:p>
@@ -22709,11 +22778,18 @@
               </a:lnSpc>
             </a:pPr>
             <a:r>
-              <a:rPr lang="en-US" altLang="zh-CN" sz="1400">
+              <a:rPr lang="en-US" altLang="zh-CN" sz="1400" dirty="0" err="1">
                 <a:latin typeface="微软雅黑" panose="020B0503020204020204" pitchFamily="34" charset="-122"/>
                 <a:ea typeface="微软雅黑" panose="020B0503020204020204" pitchFamily="34" charset="-122"/>
               </a:rPr>
-              <a:t>可以指定HTML代码片段中相关资源的相对根路径，也可以指定历史Url。</a:t>
+              <a:t>可以指定HTML代码片段中相关资源的相对根路径，也可以指定历史Url</a:t>
+            </a:r>
+            <a:r>
+              <a:rPr lang="en-US" altLang="zh-CN" sz="1400" dirty="0">
+                <a:latin typeface="微软雅黑" panose="020B0503020204020204" pitchFamily="34" charset="-122"/>
+                <a:ea typeface="微软雅黑" panose="020B0503020204020204" pitchFamily="34" charset="-122"/>
+              </a:rPr>
+              <a:t>。</a:t>
             </a:r>
           </a:p>
           <a:p>
@@ -22723,11 +22799,18 @@
               </a:lnSpc>
             </a:pPr>
             <a:r>
-              <a:rPr lang="en-US" altLang="zh-CN" sz="1400">
+              <a:rPr lang="en-US" altLang="zh-CN" sz="1400" dirty="0" err="1">
                 <a:latin typeface="微软雅黑" panose="020B0503020204020204" pitchFamily="34" charset="-122"/>
                 <a:ea typeface="微软雅黑" panose="020B0503020204020204" pitchFamily="34" charset="-122"/>
               </a:rPr>
-              <a:t>两个方法的其余三个参数相同。 </a:t>
+              <a:t>两个方法的其余三个参数相同</a:t>
+            </a:r>
+            <a:r>
+              <a:rPr lang="en-US" altLang="zh-CN" sz="1400" dirty="0">
+                <a:latin typeface="微软雅黑" panose="020B0503020204020204" pitchFamily="34" charset="-122"/>
+                <a:ea typeface="微软雅黑" panose="020B0503020204020204" pitchFamily="34" charset="-122"/>
+              </a:rPr>
+              <a:t>。 </a:t>
             </a:r>
           </a:p>
           <a:p>
@@ -22736,7 +22819,7 @@
                 <a:spcPct val="120000"/>
               </a:lnSpc>
             </a:pPr>
-            <a:endParaRPr lang="en-US" altLang="zh-CN" sz="1400">
+            <a:endParaRPr lang="en-US" altLang="zh-CN" sz="1400" dirty="0">
               <a:latin typeface="微软雅黑" panose="020B0503020204020204" pitchFamily="34" charset="-122"/>
               <a:ea typeface="微软雅黑" panose="020B0503020204020204" pitchFamily="34" charset="-122"/>
             </a:endParaRPr>
@@ -23196,35 +23279,21 @@
         </p:nvSpPr>
         <p:spPr bwMode="auto">
           <a:xfrm>
-            <a:off x="107950" y="741363"/>
+            <a:off x="240390" y="910431"/>
             <a:ext cx="5962650" cy="3322637"/>
           </a:xfrm>
           <a:prstGeom prst="rect">
             <a:avLst/>
           </a:prstGeom>
-          <a:noFill/>
+          <a:solidFill>
+            <a:schemeClr val="tx1">
+              <a:lumMod val="20000"/>
+              <a:lumOff val="80000"/>
+            </a:schemeClr>
+          </a:solidFill>
           <a:ln>
             <a:noFill/>
           </a:ln>
-          <a:extLst>
-            <a:ext uri="{909E8E84-426E-40DD-AFC4-6F175D3DCCD1}">
-              <a14:hiddenFill xmlns:a14="http://schemas.microsoft.com/office/drawing/2010/main">
-                <a:solidFill>
-                  <a:srgbClr val="FFFFFF"/>
-                </a:solidFill>
-              </a14:hiddenFill>
-            </a:ext>
-            <a:ext uri="{91240B29-F687-4F45-9708-019B960494DF}">
-              <a14:hiddenLine xmlns:a14="http://schemas.microsoft.com/office/drawing/2010/main" w="9525">
-                <a:solidFill>
-                  <a:srgbClr val="000000"/>
-                </a:solidFill>
-                <a:miter lim="800000"/>
-                <a:headEnd/>
-                <a:tailEnd/>
-              </a14:hiddenLine>
-            </a:ext>
-          </a:extLst>
         </p:spPr>
         <p:txBody>
           <a:bodyPr wrap="none">
@@ -23348,7 +23417,7 @@
               </a:lnSpc>
             </a:pPr>
             <a:r>
-              <a:rPr lang="zh-CN" altLang="zh-CN" sz="1400" b="1">
+              <a:rPr lang="zh-CN" altLang="zh-CN" sz="1400" b="1" dirty="0">
                 <a:latin typeface="微软雅黑" panose="020B0503020204020204" pitchFamily="34" charset="-122"/>
                 <a:ea typeface="微软雅黑" panose="020B0503020204020204" pitchFamily="34" charset="-122"/>
               </a:rPr>
@@ -23362,7 +23431,7 @@
               </a:lnSpc>
             </a:pPr>
             <a:r>
-              <a:rPr lang="zh-CN" altLang="zh-CN" sz="1400">
+              <a:rPr lang="zh-CN" altLang="zh-CN" sz="1400" dirty="0">
                 <a:latin typeface="微软雅黑" panose="020B0503020204020204" pitchFamily="34" charset="-122"/>
                 <a:ea typeface="微软雅黑" panose="020B0503020204020204" pitchFamily="34" charset="-122"/>
               </a:rPr>
@@ -23375,7 +23444,7 @@
                 <a:spcPct val="150000"/>
               </a:lnSpc>
             </a:pPr>
-            <a:endParaRPr lang="zh-CN" altLang="zh-CN" sz="1400">
+            <a:endParaRPr lang="zh-CN" altLang="zh-CN" sz="1400" dirty="0">
               <a:latin typeface="微软雅黑" panose="020B0503020204020204" pitchFamily="34" charset="-122"/>
               <a:ea typeface="微软雅黑" panose="020B0503020204020204" pitchFamily="34" charset="-122"/>
             </a:endParaRPr>
@@ -23387,7 +23456,7 @@
               </a:lnSpc>
             </a:pPr>
             <a:r>
-              <a:rPr lang="zh-CN" altLang="zh-CN" sz="1400" b="1">
+              <a:rPr lang="zh-CN" altLang="zh-CN" sz="1400" b="1" dirty="0">
                 <a:latin typeface="微软雅黑" panose="020B0503020204020204" pitchFamily="34" charset="-122"/>
                 <a:ea typeface="微软雅黑" panose="020B0503020204020204" pitchFamily="34" charset="-122"/>
               </a:rPr>
@@ -23401,7 +23470,7 @@
               </a:lnSpc>
             </a:pPr>
             <a:r>
-              <a:rPr lang="zh-CN" altLang="zh-CN" sz="1400">
+              <a:rPr lang="zh-CN" altLang="zh-CN" sz="1400" dirty="0">
                 <a:latin typeface="微软雅黑" panose="020B0503020204020204" pitchFamily="34" charset="-122"/>
                 <a:ea typeface="微软雅黑" panose="020B0503020204020204" pitchFamily="34" charset="-122"/>
               </a:rPr>
@@ -23415,7 +23484,7 @@
               </a:lnSpc>
             </a:pPr>
             <a:r>
-              <a:rPr lang="zh-CN" altLang="zh-CN" sz="1400">
+              <a:rPr lang="zh-CN" altLang="zh-CN" sz="1400" dirty="0">
                 <a:latin typeface="微软雅黑" panose="020B0503020204020204" pitchFamily="34" charset="-122"/>
                 <a:ea typeface="微软雅黑" panose="020B0503020204020204" pitchFamily="34" charset="-122"/>
               </a:rPr>
@@ -23429,7 +23498,7 @@
               </a:lnSpc>
             </a:pPr>
             <a:r>
-              <a:rPr lang="zh-CN" altLang="zh-CN" sz="1400" b="1">
+              <a:rPr lang="zh-CN" altLang="zh-CN" sz="1400" b="1" dirty="0">
                 <a:latin typeface="微软雅黑" panose="020B0503020204020204" pitchFamily="34" charset="-122"/>
                 <a:ea typeface="微软雅黑" panose="020B0503020204020204" pitchFamily="34" charset="-122"/>
               </a:rPr>
@@ -23443,7 +23512,7 @@
               </a:lnSpc>
             </a:pPr>
             <a:r>
-              <a:rPr lang="zh-CN" altLang="zh-CN" sz="1400">
+              <a:rPr lang="zh-CN" altLang="zh-CN" sz="1400" dirty="0">
                 <a:latin typeface="微软雅黑" panose="020B0503020204020204" pitchFamily="34" charset="-122"/>
                 <a:ea typeface="微软雅黑" panose="020B0503020204020204" pitchFamily="34" charset="-122"/>
               </a:rPr>
@@ -23457,13 +23526,13 @@
               </a:lnSpc>
             </a:pPr>
             <a:r>
-              <a:rPr lang="zh-CN" altLang="zh-CN" sz="1400" b="1">
+              <a:rPr lang="zh-CN" altLang="zh-CN" sz="1400" b="1" dirty="0">
                 <a:latin typeface="微软雅黑" panose="020B0503020204020204" pitchFamily="34" charset="-122"/>
                 <a:ea typeface="微软雅黑" panose="020B0503020204020204" pitchFamily="34" charset="-122"/>
               </a:rPr>
               <a:t>步骤3：根据需要实现的功能从而使用相应的子类及其方法</a:t>
             </a:r>
-            <a:endParaRPr lang="zh-CN" altLang="zh-CN" sz="1400">
+            <a:endParaRPr lang="zh-CN" altLang="zh-CN" sz="1400" dirty="0">
               <a:latin typeface="微软雅黑" panose="020B0503020204020204" pitchFamily="34" charset="-122"/>
               <a:ea typeface="微软雅黑" panose="020B0503020204020204" pitchFamily="34" charset="-122"/>
             </a:endParaRPr>
@@ -23475,7 +23544,7 @@
               </a:lnSpc>
             </a:pPr>
             <a:r>
-              <a:rPr lang="zh-CN" altLang="zh-CN" sz="1400">
+              <a:rPr lang="zh-CN" altLang="zh-CN" sz="1400" dirty="0">
                 <a:latin typeface="微软雅黑" panose="020B0503020204020204" pitchFamily="34" charset="-122"/>
                 <a:ea typeface="微软雅黑" panose="020B0503020204020204" pitchFamily="34" charset="-122"/>
               </a:rPr>
@@ -23968,35 +24037,21 @@
         </p:nvSpPr>
         <p:spPr bwMode="auto">
           <a:xfrm>
-            <a:off x="107950" y="766763"/>
+            <a:off x="107950" y="1131650"/>
             <a:ext cx="8858250" cy="3322637"/>
           </a:xfrm>
           <a:prstGeom prst="rect">
             <a:avLst/>
           </a:prstGeom>
-          <a:noFill/>
+          <a:solidFill>
+            <a:schemeClr val="tx1">
+              <a:lumMod val="20000"/>
+              <a:lumOff val="80000"/>
+            </a:schemeClr>
+          </a:solidFill>
           <a:ln>
             <a:noFill/>
           </a:ln>
-          <a:extLst>
-            <a:ext uri="{909E8E84-426E-40DD-AFC4-6F175D3DCCD1}">
-              <a14:hiddenFill xmlns:a14="http://schemas.microsoft.com/office/drawing/2010/main">
-                <a:solidFill>
-                  <a:srgbClr val="FFFFFF"/>
-                </a:solidFill>
-              </a14:hiddenFill>
-            </a:ext>
-            <a:ext uri="{91240B29-F687-4F45-9708-019B960494DF}">
-              <a14:hiddenLine xmlns:a14="http://schemas.microsoft.com/office/drawing/2010/main" w="9525">
-                <a:solidFill>
-                  <a:srgbClr val="000000"/>
-                </a:solidFill>
-                <a:miter lim="800000"/>
-                <a:headEnd/>
-                <a:tailEnd/>
-              </a14:hiddenLine>
-            </a:ext>
-          </a:extLst>
         </p:spPr>
         <p:txBody>
           <a:bodyPr>
@@ -24120,63 +24175,63 @@
               </a:lnSpc>
             </a:pPr>
             <a:r>
-              <a:rPr lang="zh-CN" altLang="en-US" sz="1400">
+              <a:rPr lang="zh-CN" altLang="en-US" sz="1400" dirty="0">
                 <a:latin typeface="微软雅黑" panose="020B0503020204020204" pitchFamily="34" charset="-122"/>
                 <a:ea typeface="微软雅黑" panose="020B0503020204020204" pitchFamily="34" charset="-122"/>
               </a:rPr>
               <a:t>客户端页面设计较复杂时，可把</a:t>
             </a:r>
             <a:r>
-              <a:rPr lang="en-US" altLang="zh-CN" sz="1400">
+              <a:rPr lang="en-US" altLang="zh-CN" sz="1400" dirty="0">
                 <a:latin typeface="微软雅黑" panose="020B0503020204020204" pitchFamily="34" charset="-122"/>
                 <a:ea typeface="微软雅黑" panose="020B0503020204020204" pitchFamily="34" charset="-122"/>
               </a:rPr>
               <a:t>WebView</a:t>
             </a:r>
             <a:r>
-              <a:rPr lang="zh-CN" altLang="en-US" sz="1400">
+              <a:rPr lang="zh-CN" altLang="en-US" sz="1400" dirty="0">
                 <a:latin typeface="微软雅黑" panose="020B0503020204020204" pitchFamily="34" charset="-122"/>
                 <a:ea typeface="微软雅黑" panose="020B0503020204020204" pitchFamily="34" charset="-122"/>
               </a:rPr>
               <a:t>直接嵌入</a:t>
             </a:r>
             <a:r>
-              <a:rPr lang="en-US" altLang="zh-CN" sz="1400">
+              <a:rPr lang="en-US" altLang="zh-CN" sz="1400" dirty="0">
                 <a:latin typeface="微软雅黑" panose="020B0503020204020204" pitchFamily="34" charset="-122"/>
                 <a:ea typeface="微软雅黑" panose="020B0503020204020204" pitchFamily="34" charset="-122"/>
               </a:rPr>
               <a:t>Web</a:t>
             </a:r>
             <a:r>
-              <a:rPr lang="zh-CN" altLang="en-US" sz="1400">
+              <a:rPr lang="zh-CN" altLang="en-US" sz="1400" dirty="0">
                 <a:latin typeface="微软雅黑" panose="020B0503020204020204" pitchFamily="34" charset="-122"/>
                 <a:ea typeface="微软雅黑" panose="020B0503020204020204" pitchFamily="34" charset="-122"/>
               </a:rPr>
               <a:t>页面，</a:t>
             </a:r>
             <a:r>
-              <a:rPr lang="en-US" altLang="zh-CN" sz="1400">
+              <a:rPr lang="en-US" altLang="zh-CN" sz="1400" dirty="0">
                 <a:latin typeface="微软雅黑" panose="020B0503020204020204" pitchFamily="34" charset="-122"/>
                 <a:ea typeface="微软雅黑" panose="020B0503020204020204" pitchFamily="34" charset="-122"/>
               </a:rPr>
               <a:t>WebView</a:t>
             </a:r>
             <a:r>
-              <a:rPr lang="zh-CN" altLang="en-US" sz="1400">
+              <a:rPr lang="zh-CN" altLang="en-US" sz="1400" dirty="0">
                 <a:latin typeface="微软雅黑" panose="020B0503020204020204" pitchFamily="34" charset="-122"/>
                 <a:ea typeface="微软雅黑" panose="020B0503020204020204" pitchFamily="34" charset="-122"/>
               </a:rPr>
               <a:t>对</a:t>
             </a:r>
             <a:r>
-              <a:rPr lang="en-US" altLang="zh-CN" sz="1400">
+              <a:rPr lang="en-US" altLang="zh-CN" sz="1400" dirty="0" err="1">
                 <a:latin typeface="微软雅黑" panose="020B0503020204020204" pitchFamily="34" charset="-122"/>
                 <a:ea typeface="微软雅黑" panose="020B0503020204020204" pitchFamily="34" charset="-122"/>
               </a:rPr>
               <a:t>Javascript</a:t>
             </a:r>
             <a:r>
-              <a:rPr lang="zh-CN" altLang="en-US" sz="1400">
+              <a:rPr lang="zh-CN" altLang="en-US" sz="1400" dirty="0">
                 <a:latin typeface="微软雅黑" panose="020B0503020204020204" pitchFamily="34" charset="-122"/>
                 <a:ea typeface="微软雅黑" panose="020B0503020204020204" pitchFamily="34" charset="-122"/>
               </a:rPr>
@@ -24189,7 +24244,7 @@
                 <a:spcPct val="150000"/>
               </a:lnSpc>
             </a:pPr>
-            <a:endParaRPr lang="zh-CN" altLang="en-US" sz="1400">
+            <a:endParaRPr lang="zh-CN" altLang="en-US" sz="1400" dirty="0">
               <a:latin typeface="微软雅黑" panose="020B0503020204020204" pitchFamily="34" charset="-122"/>
               <a:ea typeface="微软雅黑" panose="020B0503020204020204" pitchFamily="34" charset="-122"/>
             </a:endParaRPr>
@@ -24200,7 +24255,7 @@
                 <a:spcPct val="150000"/>
               </a:lnSpc>
             </a:pPr>
-            <a:endParaRPr lang="zh-CN" altLang="en-US" sz="1400">
+            <a:endParaRPr lang="zh-CN" altLang="en-US" sz="1400" dirty="0">
               <a:latin typeface="微软雅黑" panose="020B0503020204020204" pitchFamily="34" charset="-122"/>
               <a:ea typeface="微软雅黑" panose="020B0503020204020204" pitchFamily="34" charset="-122"/>
             </a:endParaRPr>
@@ -24212,7 +24267,7 @@
               </a:lnSpc>
             </a:pPr>
             <a:r>
-              <a:rPr lang="zh-CN" altLang="en-US" sz="2800" b="1">
+              <a:rPr lang="zh-CN" altLang="en-US" sz="2800" b="1" dirty="0">
                 <a:solidFill>
                   <a:srgbClr val="0070C0"/>
                 </a:solidFill>
@@ -24222,7 +24277,7 @@
               <a:t>Android与J</a:t>
             </a:r>
             <a:r>
-              <a:rPr lang="en-US" altLang="zh-CN" sz="2800" b="1">
+              <a:rPr lang="en-US" altLang="zh-CN" sz="2800" b="1" dirty="0">
                 <a:solidFill>
                   <a:srgbClr val="0070C0"/>
                 </a:solidFill>
@@ -24232,7 +24287,7 @@
               <a:t>ava</a:t>
             </a:r>
             <a:r>
-              <a:rPr lang="zh-CN" altLang="en-US" sz="2800" b="1">
+              <a:rPr lang="zh-CN" altLang="en-US" sz="2800" b="1" dirty="0">
                 <a:solidFill>
                   <a:srgbClr val="0070C0"/>
                 </a:solidFill>
@@ -24242,7 +24297,7 @@
               <a:t>S</a:t>
             </a:r>
             <a:r>
-              <a:rPr lang="en-US" altLang="zh-CN" sz="2800" b="1">
+              <a:rPr lang="en-US" altLang="zh-CN" sz="2800" b="1" dirty="0" err="1">
                 <a:solidFill>
                   <a:srgbClr val="0070C0"/>
                 </a:solidFill>
@@ -24252,14 +24307,14 @@
               <a:t>cript</a:t>
             </a:r>
             <a:r>
-              <a:rPr lang="zh-CN" altLang="en-US" sz="2800" b="1">
+              <a:rPr lang="zh-CN" altLang="en-US" sz="2800" b="1" dirty="0">
                 <a:latin typeface="微软雅黑" panose="020B0503020204020204" pitchFamily="34" charset="-122"/>
                 <a:ea typeface="微软雅黑" panose="020B0503020204020204" pitchFamily="34" charset="-122"/>
               </a:rPr>
               <a:t>沟通的桥梁是</a:t>
             </a:r>
             <a:r>
-              <a:rPr lang="zh-CN" altLang="en-US" sz="2800" b="1">
+              <a:rPr lang="zh-CN" altLang="en-US" sz="2800" b="1" dirty="0">
                 <a:solidFill>
                   <a:srgbClr val="FF0000"/>
                 </a:solidFill>
@@ -24275,7 +24330,7 @@
                 <a:spcPct val="150000"/>
               </a:lnSpc>
             </a:pPr>
-            <a:endParaRPr lang="zh-CN" altLang="en-US" sz="2800" b="1">
+            <a:endParaRPr lang="zh-CN" altLang="en-US" sz="2800" b="1" dirty="0">
               <a:solidFill>
                 <a:srgbClr val="FF0000"/>
               </a:solidFill>
@@ -24290,7 +24345,7 @@
               </a:lnSpc>
             </a:pPr>
             <a:r>
-              <a:rPr lang="zh-CN" altLang="en-US" sz="1400" b="1">
+              <a:rPr lang="zh-CN" altLang="en-US" sz="1400" b="1" dirty="0">
                 <a:solidFill>
                   <a:srgbClr val="0070C0"/>
                 </a:solidFill>
@@ -24300,14 +24355,14 @@
               <a:t>Android与JS</a:t>
             </a:r>
             <a:r>
-              <a:rPr lang="zh-CN" altLang="en-US" sz="1400">
+              <a:rPr lang="zh-CN" altLang="en-US" sz="1400" dirty="0">
                 <a:latin typeface="微软雅黑" panose="020B0503020204020204" pitchFamily="34" charset="-122"/>
                 <a:ea typeface="微软雅黑" panose="020B0503020204020204" pitchFamily="34" charset="-122"/>
               </a:rPr>
               <a:t>通过</a:t>
             </a:r>
             <a:r>
-              <a:rPr lang="zh-CN" altLang="en-US" sz="1400" b="1">
+              <a:rPr lang="zh-CN" altLang="en-US" sz="1400" b="1" dirty="0">
                 <a:solidFill>
                   <a:srgbClr val="FF0000"/>
                 </a:solidFill>
@@ -24317,7 +24372,7 @@
               <a:t>WebView</a:t>
             </a:r>
             <a:r>
-              <a:rPr lang="zh-CN" altLang="en-US" sz="1400">
+              <a:rPr lang="zh-CN" altLang="en-US" sz="1400" dirty="0">
                 <a:latin typeface="微软雅黑" panose="020B0503020204020204" pitchFamily="34" charset="-122"/>
                 <a:ea typeface="微软雅黑" panose="020B0503020204020204" pitchFamily="34" charset="-122"/>
               </a:rPr>
@@ -24330,7 +24385,7 @@
                 <a:spcPct val="150000"/>
               </a:lnSpc>
             </a:pPr>
-            <a:endParaRPr lang="zh-CN" altLang="en-US" sz="2800" b="1">
+            <a:endParaRPr lang="zh-CN" altLang="en-US" sz="2800" b="1" dirty="0">
               <a:solidFill>
                 <a:srgbClr val="FF0000"/>
               </a:solidFill>
@@ -24889,38 +24944,24 @@
         </p:nvSpPr>
         <p:spPr bwMode="auto">
           <a:xfrm>
-            <a:off x="563563" y="750888"/>
-            <a:ext cx="3878262" cy="2568575"/>
+            <a:off x="755735" y="1354931"/>
+            <a:ext cx="6168587" cy="2568575"/>
           </a:xfrm>
           <a:prstGeom prst="rect">
             <a:avLst/>
           </a:prstGeom>
-          <a:noFill/>
+          <a:solidFill>
+            <a:schemeClr val="tx1">
+              <a:lumMod val="20000"/>
+              <a:lumOff val="80000"/>
+            </a:schemeClr>
+          </a:solidFill>
           <a:ln>
             <a:noFill/>
           </a:ln>
-          <a:extLst>
-            <a:ext uri="{909E8E84-426E-40DD-AFC4-6F175D3DCCD1}">
-              <a14:hiddenFill xmlns:a14="http://schemas.microsoft.com/office/drawing/2010/main">
-                <a:solidFill>
-                  <a:srgbClr val="FFFFFF"/>
-                </a:solidFill>
-              </a14:hiddenFill>
-            </a:ext>
-            <a:ext uri="{91240B29-F687-4F45-9708-019B960494DF}">
-              <a14:hiddenLine xmlns:a14="http://schemas.microsoft.com/office/drawing/2010/main" w="9525">
-                <a:solidFill>
-                  <a:srgbClr val="000000"/>
-                </a:solidFill>
-                <a:miter lim="800000"/>
-                <a:headEnd/>
-                <a:tailEnd/>
-              </a14:hiddenLine>
-            </a:ext>
-          </a:extLst>
         </p:spPr>
         <p:txBody>
-          <a:bodyPr wrap="none">
+          <a:bodyPr wrap="square">
             <a:spAutoFit/>
           </a:bodyPr>
           <a:lstStyle>
@@ -25041,13 +25082,13 @@
               </a:lnSpc>
             </a:pPr>
             <a:r>
-              <a:rPr lang="en-US" altLang="zh-CN" sz="1400">
+              <a:rPr lang="en-US" altLang="zh-CN" sz="1400" dirty="0">
                 <a:latin typeface="微软雅黑" panose="020B0503020204020204" pitchFamily="34" charset="-122"/>
                 <a:ea typeface="微软雅黑" panose="020B0503020204020204" pitchFamily="34" charset="-122"/>
               </a:rPr>
               <a:t>         </a:t>
             </a:r>
-            <a:endParaRPr lang="zh-CN" altLang="en-US" sz="1400">
+            <a:endParaRPr lang="zh-CN" altLang="en-US" sz="1400" dirty="0">
               <a:latin typeface="微软雅黑" panose="020B0503020204020204" pitchFamily="34" charset="-122"/>
               <a:ea typeface="微软雅黑" panose="020B0503020204020204" pitchFamily="34" charset="-122"/>
             </a:endParaRPr>
@@ -25059,21 +25100,21 @@
               </a:lnSpc>
             </a:pPr>
             <a:r>
-              <a:rPr lang="zh-CN" altLang="en-US" sz="1400">
+              <a:rPr lang="zh-CN" altLang="en-US" sz="1400" dirty="0">
                 <a:latin typeface="微软雅黑" panose="020B0503020204020204" pitchFamily="34" charset="-122"/>
                 <a:ea typeface="微软雅黑" panose="020B0503020204020204" pitchFamily="34" charset="-122"/>
               </a:rPr>
               <a:t>     </a:t>
             </a:r>
             <a:r>
-              <a:rPr lang="en-US" altLang="zh-CN" sz="1400">
+              <a:rPr lang="en-US" altLang="zh-CN" sz="1400" dirty="0">
                 <a:latin typeface="微软雅黑" panose="020B0503020204020204" pitchFamily="34" charset="-122"/>
                 <a:ea typeface="微软雅黑" panose="020B0503020204020204" pitchFamily="34" charset="-122"/>
               </a:rPr>
               <a:t>Android</a:t>
             </a:r>
             <a:r>
-              <a:rPr lang="zh-CN" altLang="en-US" sz="1400">
+              <a:rPr lang="zh-CN" altLang="en-US" sz="1400" dirty="0">
                 <a:latin typeface="微软雅黑" panose="020B0503020204020204" pitchFamily="34" charset="-122"/>
                 <a:ea typeface="微软雅黑" panose="020B0503020204020204" pitchFamily="34" charset="-122"/>
               </a:rPr>
@@ -25086,14 +25127,14 @@
                 <a:spcPct val="150000"/>
               </a:lnSpc>
             </a:pPr>
-            <a:endParaRPr lang="zh-CN" altLang="en-US" sz="1400">
+            <a:endParaRPr lang="zh-CN" altLang="en-US" sz="1400" dirty="0">
               <a:latin typeface="微软雅黑" panose="020B0503020204020204" pitchFamily="34" charset="-122"/>
               <a:ea typeface="微软雅黑" panose="020B0503020204020204" pitchFamily="34" charset="-122"/>
             </a:endParaRPr>
           </a:p>
           <a:p>
             <a:r>
-              <a:rPr lang="zh-CN" altLang="en-US" sz="1400">
+              <a:rPr lang="zh-CN" altLang="en-US" sz="1400" dirty="0">
                 <a:latin typeface="微软雅黑" panose="020B0503020204020204" pitchFamily="34" charset="-122"/>
                 <a:ea typeface="微软雅黑" panose="020B0503020204020204" pitchFamily="34" charset="-122"/>
               </a:rPr>
@@ -25106,7 +25147,7 @@
               <a:buChar char=""/>
             </a:pPr>
             <a:r>
-              <a:rPr lang="en-US" altLang="zh-CN" sz="2800">
+              <a:rPr lang="en-US" altLang="zh-CN" sz="2800" dirty="0">
                 <a:solidFill>
                   <a:srgbClr val="0070C0"/>
                 </a:solidFill>
@@ -25116,7 +25157,7 @@
               <a:t>HTTP</a:t>
             </a:r>
             <a:r>
-              <a:rPr lang="zh-CN" altLang="en-US" sz="2800">
+              <a:rPr lang="zh-CN" altLang="en-US" sz="2800" dirty="0">
                 <a:solidFill>
                   <a:srgbClr val="0070C0"/>
                 </a:solidFill>
@@ -25131,7 +25172,7 @@
               <a:buFont typeface="Wingdings" panose="05000000000000000000" pitchFamily="2" charset="2"/>
               <a:buChar char=""/>
             </a:pPr>
-            <a:endParaRPr lang="zh-CN" altLang="en-US" sz="2800">
+            <a:endParaRPr lang="zh-CN" altLang="en-US" sz="2800" dirty="0">
               <a:solidFill>
                 <a:srgbClr val="0070C0"/>
               </a:solidFill>
@@ -25145,7 +25186,7 @@
               <a:buChar char=""/>
             </a:pPr>
             <a:r>
-              <a:rPr lang="en-US" altLang="zh-CN" sz="2800">
+              <a:rPr lang="en-US" altLang="zh-CN" sz="2800" dirty="0">
                 <a:solidFill>
                   <a:srgbClr val="0070C0"/>
                 </a:solidFill>
@@ -25155,7 +25196,7 @@
               <a:t>SOCKET</a:t>
             </a:r>
             <a:r>
-              <a:rPr lang="zh-CN" altLang="en-US" sz="2800">
+              <a:rPr lang="zh-CN" altLang="en-US" sz="2800" dirty="0">
                 <a:solidFill>
                   <a:srgbClr val="0070C0"/>
                 </a:solidFill>
@@ -26848,13 +26889,18 @@
         </p:nvSpPr>
         <p:spPr>
           <a:xfrm>
-            <a:off x="174625" y="874713"/>
-            <a:ext cx="5929313" cy="3322637"/>
+            <a:off x="253999" y="1347665"/>
+            <a:ext cx="5929313" cy="2585323"/>
           </a:xfrm>
           <a:prstGeom prst="rect">
             <a:avLst/>
           </a:prstGeom>
-          <a:noFill/>
+          <a:solidFill>
+            <a:schemeClr val="tx1">
+              <a:lumMod val="20000"/>
+              <a:lumOff val="80000"/>
+            </a:schemeClr>
+          </a:solidFill>
           <a:ln w="9525">
             <a:noFill/>
           </a:ln>
@@ -26864,20 +26910,6 @@
             <a:spAutoFit/>
           </a:bodyPr>
           <a:lstStyle/>
-          <a:p>
-            <a:pPr marL="342900" indent="-342900"/>
-            <a:endParaRPr lang="en-US" sz="2400" noProof="1">
-              <a:latin typeface="微软雅黑" panose="020B0503020204020204" pitchFamily="34" charset="-122"/>
-              <a:ea typeface="微软雅黑" panose="020B0503020204020204" pitchFamily="34" charset="-122"/>
-            </a:endParaRPr>
-          </a:p>
-          <a:p>
-            <a:pPr marL="342900" indent="-342900"/>
-            <a:endParaRPr lang="en-US" sz="2400" noProof="1">
-              <a:latin typeface="微软雅黑" panose="020B0503020204020204" pitchFamily="34" charset="-122"/>
-              <a:ea typeface="微软雅黑" panose="020B0503020204020204" pitchFamily="34" charset="-122"/>
-            </a:endParaRPr>
-          </a:p>
           <a:p>
             <a:pPr marL="457200" indent="-457200">
               <a:buFont typeface="Arial" panose="020B0604020202020204" pitchFamily="34" charset="0"/>
@@ -27613,13 +27645,18 @@
         </p:nvSpPr>
         <p:spPr>
           <a:xfrm>
-            <a:off x="839788" y="750888"/>
+            <a:off x="683730" y="1203655"/>
             <a:ext cx="7978775" cy="3092450"/>
           </a:xfrm>
           <a:prstGeom prst="rect">
             <a:avLst/>
           </a:prstGeom>
-          <a:noFill/>
+          <a:solidFill>
+            <a:schemeClr val="tx1">
+              <a:lumMod val="20000"/>
+              <a:lumOff val="80000"/>
+            </a:schemeClr>
+          </a:solidFill>
           <a:ln w="9525">
             <a:noFill/>
           </a:ln>
@@ -28408,35 +28445,21 @@
         </p:nvSpPr>
         <p:spPr bwMode="auto">
           <a:xfrm>
-            <a:off x="177800" y="755650"/>
+            <a:off x="253999" y="987640"/>
             <a:ext cx="8740775" cy="3368675"/>
           </a:xfrm>
           <a:prstGeom prst="rect">
             <a:avLst/>
           </a:prstGeom>
-          <a:noFill/>
+          <a:solidFill>
+            <a:schemeClr val="tx1">
+              <a:lumMod val="20000"/>
+              <a:lumOff val="80000"/>
+            </a:schemeClr>
+          </a:solidFill>
           <a:ln>
             <a:noFill/>
           </a:ln>
-          <a:extLst>
-            <a:ext uri="{909E8E84-426E-40DD-AFC4-6F175D3DCCD1}">
-              <a14:hiddenFill xmlns:a14="http://schemas.microsoft.com/office/drawing/2010/main">
-                <a:solidFill>
-                  <a:srgbClr val="FFFFFF"/>
-                </a:solidFill>
-              </a14:hiddenFill>
-            </a:ext>
-            <a:ext uri="{91240B29-F687-4F45-9708-019B960494DF}">
-              <a14:hiddenLine xmlns:a14="http://schemas.microsoft.com/office/drawing/2010/main" w="9525">
-                <a:solidFill>
-                  <a:srgbClr val="000000"/>
-                </a:solidFill>
-                <a:miter lim="800000"/>
-                <a:headEnd/>
-                <a:tailEnd/>
-              </a14:hiddenLine>
-            </a:ext>
-          </a:extLst>
         </p:spPr>
         <p:txBody>
           <a:bodyPr>
@@ -28560,7 +28583,7 @@
               </a:lnSpc>
             </a:pPr>
             <a:r>
-              <a:rPr lang="en-US" altLang="zh-CN" sz="2800">
+              <a:rPr lang="en-US" altLang="zh-CN" sz="2800" dirty="0">
                 <a:solidFill>
                   <a:srgbClr val="0070C0"/>
                 </a:solidFill>
@@ -28570,7 +28593,7 @@
               <a:t>JSON   (</a:t>
             </a:r>
             <a:r>
-              <a:rPr lang="en-US" altLang="zh-CN" sz="2800">
+              <a:rPr lang="en-US" altLang="zh-CN" sz="2800" dirty="0">
                 <a:solidFill>
                   <a:srgbClr val="FF0000"/>
                 </a:solidFill>
@@ -28580,7 +28603,7 @@
               <a:t>J</a:t>
             </a:r>
             <a:r>
-              <a:rPr lang="en-US" altLang="zh-CN" sz="2800">
+              <a:rPr lang="en-US" altLang="zh-CN" sz="2800" dirty="0">
                 <a:solidFill>
                   <a:srgbClr val="0070C0"/>
                 </a:solidFill>
@@ -28590,7 +28613,7 @@
               <a:t>ava</a:t>
             </a:r>
             <a:r>
-              <a:rPr lang="en-US" altLang="zh-CN" sz="2800">
+              <a:rPr lang="en-US" altLang="zh-CN" sz="2800" dirty="0">
                 <a:solidFill>
                   <a:srgbClr val="FF0000"/>
                 </a:solidFill>
@@ -28600,7 +28623,7 @@
               <a:t>S</a:t>
             </a:r>
             <a:r>
-              <a:rPr lang="en-US" altLang="zh-CN" sz="2800">
+              <a:rPr lang="en-US" altLang="zh-CN" sz="2800" dirty="0">
                 <a:solidFill>
                   <a:srgbClr val="0070C0"/>
                 </a:solidFill>
@@ -28610,7 +28633,7 @@
               <a:t>cript </a:t>
             </a:r>
             <a:r>
-              <a:rPr lang="en-US" altLang="zh-CN" sz="2800">
+              <a:rPr lang="en-US" altLang="zh-CN" sz="2800" dirty="0">
                 <a:solidFill>
                   <a:srgbClr val="FF0000"/>
                 </a:solidFill>
@@ -28620,7 +28643,7 @@
               <a:t>O</a:t>
             </a:r>
             <a:r>
-              <a:rPr lang="en-US" altLang="zh-CN" sz="2800">
+              <a:rPr lang="en-US" altLang="zh-CN" sz="2800" dirty="0">
                 <a:solidFill>
                   <a:srgbClr val="0070C0"/>
                 </a:solidFill>
@@ -28630,7 +28653,7 @@
               <a:t>bject </a:t>
             </a:r>
             <a:r>
-              <a:rPr lang="en-US" altLang="zh-CN" sz="2800">
+              <a:rPr lang="en-US" altLang="zh-CN" sz="2800" dirty="0">
                 <a:solidFill>
                   <a:srgbClr val="FF0000"/>
                 </a:solidFill>
@@ -28640,7 +28663,7 @@
               <a:t>N</a:t>
             </a:r>
             <a:r>
-              <a:rPr lang="en-US" altLang="zh-CN" sz="2800">
+              <a:rPr lang="en-US" altLang="zh-CN" sz="2800" dirty="0">
                 <a:solidFill>
                   <a:srgbClr val="0070C0"/>
                 </a:solidFill>
@@ -28657,7 +28680,7 @@
               </a:lnSpc>
             </a:pPr>
             <a:r>
-              <a:rPr lang="zh-CN" altLang="en-US" sz="1400">
+              <a:rPr lang="zh-CN" altLang="en-US" sz="1400" dirty="0">
                 <a:latin typeface="微软雅黑" panose="020B0503020204020204" pitchFamily="34" charset="-122"/>
                 <a:ea typeface="微软雅黑" panose="020B0503020204020204" pitchFamily="34" charset="-122"/>
               </a:rPr>
@@ -28671,13 +28694,13 @@
               </a:lnSpc>
             </a:pPr>
             <a:r>
-              <a:rPr lang="zh-CN" altLang="en-US" sz="2000" u="sng">
+              <a:rPr lang="zh-CN" altLang="en-US" sz="2000" u="sng" dirty="0">
                 <a:latin typeface="微软雅黑" panose="020B0503020204020204" pitchFamily="34" charset="-122"/>
                 <a:ea typeface="微软雅黑" panose="020B0503020204020204" pitchFamily="34" charset="-122"/>
               </a:rPr>
               <a:t>存储和交换文本信息的语法</a:t>
             </a:r>
-            <a:endParaRPr lang="zh-CN" altLang="en-US" sz="2000">
+            <a:endParaRPr lang="zh-CN" altLang="en-US" sz="2000" dirty="0">
               <a:latin typeface="微软雅黑" panose="020B0503020204020204" pitchFamily="34" charset="-122"/>
               <a:ea typeface="微软雅黑" panose="020B0503020204020204" pitchFamily="34" charset="-122"/>
             </a:endParaRPr>
@@ -28688,7 +28711,7 @@
                 <a:spcPct val="150000"/>
               </a:lnSpc>
             </a:pPr>
-            <a:endParaRPr lang="zh-CN" altLang="en-US" sz="2000">
+            <a:endParaRPr lang="zh-CN" altLang="en-US" sz="2000" dirty="0">
               <a:latin typeface="微软雅黑" panose="020B0503020204020204" pitchFamily="34" charset="-122"/>
               <a:ea typeface="微软雅黑" panose="020B0503020204020204" pitchFamily="34" charset="-122"/>
             </a:endParaRPr>
@@ -28702,7 +28725,7 @@
               <a:buChar char=""/>
             </a:pPr>
             <a:r>
-              <a:rPr lang="zh-CN" altLang="en-US" sz="2000">
+              <a:rPr lang="zh-CN" altLang="en-US" sz="2000" dirty="0">
                 <a:latin typeface="微软雅黑" panose="020B0503020204020204" pitchFamily="34" charset="-122"/>
                 <a:ea typeface="微软雅黑" panose="020B0503020204020204" pitchFamily="34" charset="-122"/>
               </a:rPr>
@@ -28718,7 +28741,7 @@
               <a:buChar char=""/>
             </a:pPr>
             <a:r>
-              <a:rPr lang="zh-CN" altLang="en-US" sz="2000">
+              <a:rPr lang="zh-CN" altLang="en-US" sz="2000" dirty="0">
                 <a:latin typeface="微软雅黑" panose="020B0503020204020204" pitchFamily="34" charset="-122"/>
                 <a:ea typeface="微软雅黑" panose="020B0503020204020204" pitchFamily="34" charset="-122"/>
               </a:rPr>
@@ -28734,7 +28757,7 @@
               <a:buChar char=""/>
             </a:pPr>
             <a:r>
-              <a:rPr lang="zh-CN" altLang="en-US" sz="2000">
+              <a:rPr lang="zh-CN" altLang="en-US" sz="2000" dirty="0">
                 <a:latin typeface="微软雅黑" panose="020B0503020204020204" pitchFamily="34" charset="-122"/>
                 <a:ea typeface="微软雅黑" panose="020B0503020204020204" pitchFamily="34" charset="-122"/>
               </a:rPr>
@@ -29892,7 +29915,7 @@
           </a:lstStyle>
           <a:p>
             <a:r>
-              <a:rPr lang="en-US" altLang="zh-CN" sz="1400">
+              <a:rPr lang="en-US" altLang="zh-CN" sz="1400" dirty="0">
                 <a:ea typeface="宋体" panose="02010600030101010101" pitchFamily="2" charset="-122"/>
               </a:rPr>
               <a:t>{</a:t>
@@ -29900,51 +29923,63 @@
           </a:p>
           <a:p>
             <a:r>
-              <a:rPr lang="en-US" altLang="zh-CN" sz="1400">
+              <a:rPr lang="en-US" altLang="zh-CN" sz="1400" dirty="0">
                 <a:ea typeface="宋体" panose="02010600030101010101" pitchFamily="2" charset="-122"/>
               </a:rPr>
               <a:t>  "name"</a:t>
             </a:r>
             <a:r>
-              <a:rPr lang="zh-CN" altLang="en-US" sz="1400">
+              <a:rPr lang="zh-CN" altLang="en-US" sz="1400" dirty="0">
                 <a:ea typeface="宋体" panose="02010600030101010101" pitchFamily="2" charset="-122"/>
               </a:rPr>
               <a:t>：</a:t>
             </a:r>
             <a:r>
-              <a:rPr lang="en-US" altLang="zh-CN" sz="1400">
+              <a:rPr lang="en-US" altLang="zh-CN" sz="1400" dirty="0">
                 <a:ea typeface="宋体" panose="02010600030101010101" pitchFamily="2" charset="-122"/>
               </a:rPr>
-              <a:t>"coolxing"</a:t>
-            </a:r>
-            <a:r>
-              <a:rPr lang="zh-CN" altLang="en-US" sz="1400">
+              <a:t>"</a:t>
+            </a:r>
+            <a:r>
+              <a:rPr lang="en-US" altLang="zh-CN" sz="1400" dirty="0" err="1">
                 <a:ea typeface="宋体" panose="02010600030101010101" pitchFamily="2" charset="-122"/>
               </a:rPr>
+              <a:t>coolxing</a:t>
+            </a:r>
+            <a:r>
+              <a:rPr lang="en-US" altLang="zh-CN" sz="1400" dirty="0">
+                <a:ea typeface="宋体" panose="02010600030101010101" pitchFamily="2" charset="-122"/>
+              </a:rPr>
+              <a:t>"</a:t>
+            </a:r>
+            <a:r>
+              <a:rPr lang="zh-CN" altLang="en-US" sz="1400" dirty="0">
+                <a:ea typeface="宋体" panose="02010600030101010101" pitchFamily="2" charset="-122"/>
+              </a:rPr>
               <a:t>， </a:t>
             </a:r>
           </a:p>
           <a:p>
             <a:r>
-              <a:rPr lang="en-US" altLang="zh-CN" sz="1400">
+              <a:rPr lang="en-US" altLang="zh-CN" sz="1400" dirty="0">
                 <a:ea typeface="宋体" panose="02010600030101010101" pitchFamily="2" charset="-122"/>
               </a:rPr>
               <a:t>  "age"</a:t>
             </a:r>
             <a:r>
-              <a:rPr lang="zh-CN" altLang="en-US" sz="1400">
+              <a:rPr lang="zh-CN" altLang="en-US" sz="1400" dirty="0">
                 <a:ea typeface="宋体" panose="02010600030101010101" pitchFamily="2" charset="-122"/>
               </a:rPr>
               <a:t>：</a:t>
             </a:r>
             <a:r>
-              <a:rPr lang="en-US" altLang="zh-CN" sz="1400">
+              <a:rPr lang="en-US" altLang="zh-CN" sz="1400" dirty="0">
                 <a:ea typeface="宋体" panose="02010600030101010101" pitchFamily="2" charset="-122"/>
               </a:rPr>
               <a:t>24</a:t>
             </a:r>
             <a:r>
-              <a:rPr lang="zh-CN" altLang="en-US" sz="1400">
+              <a:rPr lang="zh-CN" altLang="en-US" sz="1400" dirty="0">
                 <a:ea typeface="宋体" panose="02010600030101010101" pitchFamily="2" charset="-122"/>
               </a:rPr>
               <a:t>，</a:t>
@@ -29952,25 +29987,25 @@
           </a:p>
           <a:p>
             <a:r>
-              <a:rPr lang="en-US" altLang="zh-CN" sz="1400">
+              <a:rPr lang="en-US" altLang="zh-CN" sz="1400" dirty="0">
                 <a:ea typeface="宋体" panose="02010600030101010101" pitchFamily="2" charset="-122"/>
               </a:rPr>
               <a:t>  "male"</a:t>
             </a:r>
             <a:r>
-              <a:rPr lang="zh-CN" altLang="en-US" sz="1400">
+              <a:rPr lang="zh-CN" altLang="en-US" sz="1400" dirty="0">
                 <a:ea typeface="宋体" panose="02010600030101010101" pitchFamily="2" charset="-122"/>
               </a:rPr>
               <a:t>：</a:t>
             </a:r>
             <a:r>
-              <a:rPr lang="en-US" altLang="zh-CN" sz="1400">
+              <a:rPr lang="en-US" altLang="zh-CN" sz="1400" dirty="0">
                 <a:ea typeface="宋体" panose="02010600030101010101" pitchFamily="2" charset="-122"/>
               </a:rPr>
               <a:t>true</a:t>
             </a:r>
             <a:r>
-              <a:rPr lang="zh-CN" altLang="en-US" sz="1400">
+              <a:rPr lang="zh-CN" altLang="en-US" sz="1400" dirty="0">
                 <a:ea typeface="宋体" panose="02010600030101010101" pitchFamily="2" charset="-122"/>
               </a:rPr>
               <a:t>，</a:t>
@@ -29978,19 +30013,19 @@
           </a:p>
           <a:p>
             <a:r>
-              <a:rPr lang="en-US" altLang="zh-CN" sz="1400">
+              <a:rPr lang="en-US" altLang="zh-CN" sz="1400" dirty="0">
                 <a:ea typeface="宋体" panose="02010600030101010101" pitchFamily="2" charset="-122"/>
               </a:rPr>
               <a:t>  "address"</a:t>
             </a:r>
             <a:r>
-              <a:rPr lang="zh-CN" altLang="en-US" sz="1400">
+              <a:rPr lang="zh-CN" altLang="en-US" sz="1400" dirty="0">
                 <a:ea typeface="宋体" panose="02010600030101010101" pitchFamily="2" charset="-122"/>
               </a:rPr>
               <a:t>：</a:t>
             </a:r>
             <a:r>
-              <a:rPr lang="en-US" altLang="zh-CN" sz="1400">
+              <a:rPr lang="en-US" altLang="zh-CN" sz="1400" dirty="0">
                 <a:ea typeface="宋体" panose="02010600030101010101" pitchFamily="2" charset="-122"/>
               </a:rPr>
               <a:t>{ </a:t>
@@ -29998,51 +30033,87 @@
           </a:p>
           <a:p>
             <a:r>
-              <a:rPr lang="en-US" altLang="zh-CN" sz="1400">
+              <a:rPr lang="en-US" altLang="zh-CN" sz="1400" dirty="0">
                 <a:ea typeface="宋体" panose="02010600030101010101" pitchFamily="2" charset="-122"/>
               </a:rPr>
-              <a:t>                          "street":"huiLongGuan"</a:t>
-            </a:r>
-            <a:r>
-              <a:rPr lang="zh-CN" altLang="en-US" sz="1400">
+              <a:t>                          "street":"</a:t>
+            </a:r>
+            <a:r>
+              <a:rPr lang="en-US" altLang="zh-CN" sz="1400" dirty="0" err="1">
                 <a:ea typeface="宋体" panose="02010600030101010101" pitchFamily="2" charset="-122"/>
               </a:rPr>
+              <a:t>huiLongGuan</a:t>
+            </a:r>
+            <a:r>
+              <a:rPr lang="en-US" altLang="zh-CN" sz="1400" dirty="0">
+                <a:ea typeface="宋体" panose="02010600030101010101" pitchFamily="2" charset="-122"/>
+              </a:rPr>
+              <a:t>"</a:t>
+            </a:r>
+            <a:r>
+              <a:rPr lang="zh-CN" altLang="en-US" sz="1400" dirty="0">
+                <a:ea typeface="宋体" panose="02010600030101010101" pitchFamily="2" charset="-122"/>
+              </a:rPr>
               <a:t>，</a:t>
             </a:r>
           </a:p>
           <a:p>
             <a:r>
-              <a:rPr lang="en-US" altLang="zh-CN" sz="1400">
+              <a:rPr lang="en-US" altLang="zh-CN" sz="1400" dirty="0">
                 <a:ea typeface="宋体" panose="02010600030101010101" pitchFamily="2" charset="-122"/>
               </a:rPr>
-              <a:t>                          "city":"beijing"</a:t>
-            </a:r>
-            <a:r>
-              <a:rPr lang="zh-CN" altLang="en-US" sz="1400">
+              <a:t>                          "city":"</a:t>
+            </a:r>
+            <a:r>
+              <a:rPr lang="en-US" altLang="zh-CN" sz="1400" dirty="0" err="1">
                 <a:ea typeface="宋体" panose="02010600030101010101" pitchFamily="2" charset="-122"/>
               </a:rPr>
+              <a:t>beijing</a:t>
+            </a:r>
+            <a:r>
+              <a:rPr lang="en-US" altLang="zh-CN" sz="1400" dirty="0">
+                <a:ea typeface="宋体" panose="02010600030101010101" pitchFamily="2" charset="-122"/>
+              </a:rPr>
+              <a:t>"</a:t>
+            </a:r>
+            <a:r>
+              <a:rPr lang="zh-CN" altLang="en-US" sz="1400" dirty="0">
+                <a:ea typeface="宋体" panose="02010600030101010101" pitchFamily="2" charset="-122"/>
+              </a:rPr>
               <a:t>，</a:t>
             </a:r>
           </a:p>
           <a:p>
             <a:r>
-              <a:rPr lang="en-US" altLang="zh-CN" sz="1400">
+              <a:rPr lang="en-US" altLang="zh-CN" sz="1400" dirty="0">
                 <a:ea typeface="宋体" panose="02010600030101010101" pitchFamily="2" charset="-122"/>
               </a:rPr>
-              <a:t>                          "country":"china"</a:t>
-            </a:r>
-          </a:p>
-          <a:p>
-            <a:r>
-              <a:rPr lang="en-US" altLang="zh-CN" sz="1400">
+              <a:t>                          "</a:t>
+            </a:r>
+            <a:r>
+              <a:rPr lang="en-US" altLang="zh-CN" sz="1400" dirty="0" err="1">
                 <a:ea typeface="宋体" panose="02010600030101010101" pitchFamily="2" charset="-122"/>
               </a:rPr>
+              <a:t>country":"china</a:t>
+            </a:r>
+            <a:r>
+              <a:rPr lang="en-US" altLang="zh-CN" sz="1400" dirty="0">
+                <a:ea typeface="宋体" panose="02010600030101010101" pitchFamily="2" charset="-122"/>
+              </a:rPr>
+              <a:t>"</a:t>
+            </a:r>
+          </a:p>
+          <a:p>
+            <a:r>
+              <a:rPr lang="en-US" altLang="zh-CN" sz="1400" dirty="0">
+                <a:ea typeface="宋体" panose="02010600030101010101" pitchFamily="2" charset="-122"/>
+              </a:rPr>
               <a:t>                      }</a:t>
             </a:r>
           </a:p>
           <a:p>
             <a:r>
-              <a:rPr lang="en-US" altLang="zh-CN" sz="1400">
+              <a:rPr lang="en-US" altLang="zh-CN" sz="1400" dirty="0">
                 <a:ea typeface="宋体" panose="02010600030101010101" pitchFamily="2" charset="-122"/>
               </a:rPr>
               <a:t>}</a:t>
@@ -31330,38 +31401,24 @@
         </p:nvSpPr>
         <p:spPr bwMode="auto">
           <a:xfrm>
-            <a:off x="493713" y="1004888"/>
-            <a:ext cx="2747962" cy="922337"/>
+            <a:off x="493712" y="1004888"/>
+            <a:ext cx="4222297" cy="923330"/>
           </a:xfrm>
           <a:prstGeom prst="rect">
             <a:avLst/>
           </a:prstGeom>
-          <a:noFill/>
+          <a:solidFill>
+            <a:schemeClr val="tx1">
+              <a:lumMod val="20000"/>
+              <a:lumOff val="80000"/>
+            </a:schemeClr>
+          </a:solidFill>
           <a:ln>
             <a:noFill/>
           </a:ln>
-          <a:extLst>
-            <a:ext uri="{909E8E84-426E-40DD-AFC4-6F175D3DCCD1}">
-              <a14:hiddenFill xmlns:a14="http://schemas.microsoft.com/office/drawing/2010/main">
-                <a:solidFill>
-                  <a:srgbClr val="FFFFFF"/>
-                </a:solidFill>
-              </a14:hiddenFill>
-            </a:ext>
-            <a:ext uri="{91240B29-F687-4F45-9708-019B960494DF}">
-              <a14:hiddenLine xmlns:a14="http://schemas.microsoft.com/office/drawing/2010/main" w="9525">
-                <a:solidFill>
-                  <a:srgbClr val="000000"/>
-                </a:solidFill>
-                <a:miter lim="800000"/>
-                <a:headEnd/>
-                <a:tailEnd/>
-              </a14:hiddenLine>
-            </a:ext>
-          </a:extLst>
         </p:spPr>
         <p:txBody>
-          <a:bodyPr wrap="none">
+          <a:bodyPr wrap="square">
             <a:spAutoFit/>
           </a:bodyPr>
           <a:lstStyle>
@@ -31931,29 +31988,15 @@
           <a:prstGeom prst="rect">
             <a:avLst/>
           </a:prstGeom>
-          <a:noFill/>
+          <a:solidFill>
+            <a:schemeClr val="tx1">
+              <a:lumMod val="20000"/>
+              <a:lumOff val="80000"/>
+            </a:schemeClr>
+          </a:solidFill>
           <a:ln>
             <a:noFill/>
           </a:ln>
-          <a:extLst>
-            <a:ext uri="{909E8E84-426E-40DD-AFC4-6F175D3DCCD1}">
-              <a14:hiddenFill xmlns:a14="http://schemas.microsoft.com/office/drawing/2010/main">
-                <a:solidFill>
-                  <a:srgbClr val="FFFFFF"/>
-                </a:solidFill>
-              </a14:hiddenFill>
-            </a:ext>
-            <a:ext uri="{91240B29-F687-4F45-9708-019B960494DF}">
-              <a14:hiddenLine xmlns:a14="http://schemas.microsoft.com/office/drawing/2010/main" w="9525">
-                <a:solidFill>
-                  <a:srgbClr val="000000"/>
-                </a:solidFill>
-                <a:miter lim="800000"/>
-                <a:headEnd/>
-                <a:tailEnd/>
-              </a14:hiddenLine>
-            </a:ext>
-          </a:extLst>
         </p:spPr>
         <p:txBody>
           <a:bodyPr>
@@ -32077,63 +32120,63 @@
               </a:lnSpc>
             </a:pPr>
             <a:r>
-              <a:rPr lang="zh-CN" altLang="en-US" sz="1400">
+              <a:rPr lang="zh-CN" altLang="en-US" sz="1400" dirty="0">
                 <a:latin typeface="微软雅黑" panose="020B0503020204020204" pitchFamily="34" charset="-122"/>
                 <a:ea typeface="微软雅黑" panose="020B0503020204020204" pitchFamily="34" charset="-122"/>
               </a:rPr>
               <a:t>常见的解析</a:t>
             </a:r>
             <a:r>
-              <a:rPr lang="en-US" altLang="zh-CN" sz="1400">
+              <a:rPr lang="en-US" altLang="zh-CN" sz="1400" dirty="0">
                 <a:latin typeface="微软雅黑" panose="020B0503020204020204" pitchFamily="34" charset="-122"/>
                 <a:ea typeface="微软雅黑" panose="020B0503020204020204" pitchFamily="34" charset="-122"/>
               </a:rPr>
               <a:t>xml</a:t>
             </a:r>
             <a:r>
-              <a:rPr lang="zh-CN" altLang="en-US" sz="1400">
+              <a:rPr lang="zh-CN" altLang="en-US" sz="1400" dirty="0">
                 <a:latin typeface="微软雅黑" panose="020B0503020204020204" pitchFamily="34" charset="-122"/>
                 <a:ea typeface="微软雅黑" panose="020B0503020204020204" pitchFamily="34" charset="-122"/>
               </a:rPr>
               <a:t>的方式有以下三种：</a:t>
             </a:r>
             <a:r>
-              <a:rPr lang="en-US" altLang="zh-CN" sz="1400">
+              <a:rPr lang="en-US" altLang="zh-CN" sz="1400" dirty="0">
                 <a:latin typeface="微软雅黑" panose="020B0503020204020204" pitchFamily="34" charset="-122"/>
                 <a:ea typeface="微软雅黑" panose="020B0503020204020204" pitchFamily="34" charset="-122"/>
               </a:rPr>
               <a:t>SAX</a:t>
             </a:r>
             <a:r>
-              <a:rPr lang="zh-CN" altLang="en-US" sz="1400">
+              <a:rPr lang="zh-CN" altLang="en-US" sz="1400" dirty="0">
                 <a:latin typeface="微软雅黑" panose="020B0503020204020204" pitchFamily="34" charset="-122"/>
                 <a:ea typeface="微软雅黑" panose="020B0503020204020204" pitchFamily="34" charset="-122"/>
               </a:rPr>
               <a:t>、</a:t>
             </a:r>
             <a:r>
-              <a:rPr lang="en-US" altLang="zh-CN" sz="1400">
+              <a:rPr lang="en-US" altLang="zh-CN" sz="1400" dirty="0">
                 <a:latin typeface="微软雅黑" panose="020B0503020204020204" pitchFamily="34" charset="-122"/>
                 <a:ea typeface="微软雅黑" panose="020B0503020204020204" pitchFamily="34" charset="-122"/>
               </a:rPr>
               <a:t>Pull</a:t>
             </a:r>
             <a:r>
-              <a:rPr lang="zh-CN" altLang="en-US" sz="1400">
+              <a:rPr lang="zh-CN" altLang="en-US" sz="1400" dirty="0">
                 <a:latin typeface="微软雅黑" panose="020B0503020204020204" pitchFamily="34" charset="-122"/>
                 <a:ea typeface="微软雅黑" panose="020B0503020204020204" pitchFamily="34" charset="-122"/>
               </a:rPr>
               <a:t>、</a:t>
             </a:r>
             <a:r>
-              <a:rPr lang="en-US" altLang="zh-CN" sz="1400">
+              <a:rPr lang="en-US" altLang="zh-CN" sz="1400" dirty="0">
                 <a:latin typeface="微软雅黑" panose="020B0503020204020204" pitchFamily="34" charset="-122"/>
                 <a:ea typeface="微软雅黑" panose="020B0503020204020204" pitchFamily="34" charset="-122"/>
               </a:rPr>
               <a:t>Dom</a:t>
             </a:r>
             <a:r>
-              <a:rPr lang="zh-CN" altLang="en-US" sz="1400">
+              <a:rPr lang="zh-CN" altLang="en-US" sz="1400" dirty="0">
                 <a:latin typeface="微软雅黑" panose="020B0503020204020204" pitchFamily="34" charset="-122"/>
                 <a:ea typeface="微软雅黑" panose="020B0503020204020204" pitchFamily="34" charset="-122"/>
               </a:rPr>
@@ -32146,7 +32189,7 @@
                 <a:spcPct val="150000"/>
               </a:lnSpc>
             </a:pPr>
-            <a:endParaRPr lang="zh-CN" altLang="en-US" sz="1400">
+            <a:endParaRPr lang="zh-CN" altLang="en-US" sz="1400" dirty="0">
               <a:latin typeface="微软雅黑" panose="020B0503020204020204" pitchFamily="34" charset="-122"/>
               <a:ea typeface="微软雅黑" panose="020B0503020204020204" pitchFamily="34" charset="-122"/>
             </a:endParaRPr>
@@ -32158,7 +32201,7 @@
               </a:lnSpc>
             </a:pPr>
             <a:r>
-              <a:rPr lang="en-US" altLang="zh-CN" sz="2800">
+              <a:rPr lang="en-US" altLang="zh-CN" sz="2800" dirty="0">
                 <a:solidFill>
                   <a:srgbClr val="0070C0"/>
                 </a:solidFill>
@@ -32168,14 +32211,14 @@
               <a:t>SAX</a:t>
             </a:r>
             <a:r>
-              <a:rPr lang="zh-CN" altLang="en-US" sz="2800">
+              <a:rPr lang="zh-CN" altLang="en-US" sz="2800" dirty="0">
                 <a:latin typeface="微软雅黑" panose="020B0503020204020204" pitchFamily="34" charset="-122"/>
                 <a:ea typeface="微软雅黑" panose="020B0503020204020204" pitchFamily="34" charset="-122"/>
               </a:rPr>
               <a:t>：</a:t>
             </a:r>
             <a:r>
-              <a:rPr lang="en-US" altLang="zh-CN" sz="2800">
+              <a:rPr lang="en-US" altLang="zh-CN" sz="2800" dirty="0">
                 <a:solidFill>
                   <a:srgbClr val="FF0000"/>
                 </a:solidFill>
@@ -32185,14 +32228,14 @@
               <a:t>S</a:t>
             </a:r>
             <a:r>
-              <a:rPr lang="en-US" altLang="zh-CN" sz="2800">
+              <a:rPr lang="en-US" altLang="zh-CN" sz="2800" dirty="0">
                 <a:latin typeface="微软雅黑" panose="020B0503020204020204" pitchFamily="34" charset="-122"/>
                 <a:ea typeface="微软雅黑" panose="020B0503020204020204" pitchFamily="34" charset="-122"/>
               </a:rPr>
               <a:t>imple </a:t>
             </a:r>
             <a:r>
-              <a:rPr lang="en-US" altLang="zh-CN" sz="2800">
+              <a:rPr lang="en-US" altLang="zh-CN" sz="2800" dirty="0">
                 <a:solidFill>
                   <a:srgbClr val="FF0000"/>
                 </a:solidFill>
@@ -32202,14 +32245,14 @@
               <a:t>A</a:t>
             </a:r>
             <a:r>
-              <a:rPr lang="en-US" altLang="zh-CN" sz="2800">
+              <a:rPr lang="en-US" altLang="zh-CN" sz="2800" dirty="0">
                 <a:latin typeface="微软雅黑" panose="020B0503020204020204" pitchFamily="34" charset="-122"/>
                 <a:ea typeface="微软雅黑" panose="020B0503020204020204" pitchFamily="34" charset="-122"/>
               </a:rPr>
               <a:t>PI for </a:t>
             </a:r>
             <a:r>
-              <a:rPr lang="en-US" altLang="zh-CN" sz="2800">
+              <a:rPr lang="en-US" altLang="zh-CN" sz="2800" dirty="0">
                 <a:solidFill>
                   <a:srgbClr val="FF0000"/>
                 </a:solidFill>
@@ -32219,7 +32262,7 @@
               <a:t>X</a:t>
             </a:r>
             <a:r>
-              <a:rPr lang="en-US" altLang="zh-CN" sz="2800">
+              <a:rPr lang="en-US" altLang="zh-CN" sz="2800" dirty="0">
                 <a:latin typeface="微软雅黑" panose="020B0503020204020204" pitchFamily="34" charset="-122"/>
                 <a:ea typeface="微软雅黑" panose="020B0503020204020204" pitchFamily="34" charset="-122"/>
               </a:rPr>
@@ -32232,7 +32275,7 @@
                 <a:spcPct val="150000"/>
               </a:lnSpc>
             </a:pPr>
-            <a:endParaRPr lang="en-US" altLang="zh-CN" sz="2800">
+            <a:endParaRPr lang="en-US" altLang="zh-CN" sz="2800" dirty="0">
               <a:latin typeface="微软雅黑" panose="020B0503020204020204" pitchFamily="34" charset="-122"/>
               <a:ea typeface="微软雅黑" panose="020B0503020204020204" pitchFamily="34" charset="-122"/>
             </a:endParaRPr>
@@ -32243,7 +32286,7 @@
                 <a:spcPct val="150000"/>
               </a:lnSpc>
             </a:pPr>
-            <a:endParaRPr lang="zh-CN" altLang="en-US" sz="1400">
+            <a:endParaRPr lang="zh-CN" altLang="en-US" sz="1400" dirty="0">
               <a:latin typeface="微软雅黑" panose="020B0503020204020204" pitchFamily="34" charset="-122"/>
               <a:ea typeface="微软雅黑" panose="020B0503020204020204" pitchFamily="34" charset="-122"/>
             </a:endParaRPr>
